--- a/4_Some_Advanced_Examinations/Episode_Four_Some_Advanced_Examinations.pptx
+++ b/4_Some_Advanced_Examinations/Episode_Four_Some_Advanced_Examinations.pptx
@@ -218,7 +218,7 @@
           <a:p>
             <a:fld id="{EE7149FC-A142-4E70-9A1B-7E28F3992C59}" type="datetimeFigureOut">
               <a:rPr lang="tr-TR" smtClean="0"/>
-              <a:t>22.9.2021</a:t>
+              <a:t>13.11.2021</a:t>
             </a:fld>
             <a:endParaRPr lang="tr-TR"/>
           </a:p>
@@ -383,7 +383,7 @@
           <a:p>
             <a:fld id="{22FAA79C-F01B-444B-8113-010905252F18}" type="datetimeFigureOut">
               <a:rPr lang="tr-TR" smtClean="0"/>
-              <a:t>22.9.2021</a:t>
+              <a:t>13.11.2021</a:t>
             </a:fld>
             <a:endParaRPr lang="tr-TR"/>
           </a:p>
@@ -447,35 +447,35 @@
           <a:p>
             <a:pPr lvl="0"/>
             <a:r>
-              <a:rPr lang="en-US" smtClean="0"/>
+              <a:rPr lang="en-US"/>
               <a:t>Edit Master text styles</a:t>
             </a:r>
           </a:p>
           <a:p>
             <a:pPr lvl="1"/>
             <a:r>
-              <a:rPr lang="en-US" smtClean="0"/>
+              <a:rPr lang="en-US"/>
               <a:t>Second level</a:t>
             </a:r>
           </a:p>
           <a:p>
             <a:pPr lvl="2"/>
             <a:r>
-              <a:rPr lang="en-US" smtClean="0"/>
+              <a:rPr lang="en-US"/>
               <a:t>Third level</a:t>
             </a:r>
           </a:p>
           <a:p>
             <a:pPr lvl="3"/>
             <a:r>
-              <a:rPr lang="en-US" smtClean="0"/>
+              <a:rPr lang="en-US"/>
               <a:t>Fourth level</a:t>
             </a:r>
           </a:p>
           <a:p>
             <a:pPr lvl="4"/>
             <a:r>
-              <a:rPr lang="en-US" smtClean="0"/>
+              <a:rPr lang="en-US"/>
               <a:t>Fifth level</a:t>
             </a:r>
             <a:endParaRPr lang="tr-TR"/>
@@ -1313,7 +1313,7 @@
           </a:lstStyle>
           <a:p>
             <a:r>
-              <a:rPr lang="tr-TR" smtClean="0"/>
+              <a:rPr lang="tr-TR"/>
               <a:t>Asıl başlık stili için tıklatın</a:t>
             </a:r>
             <a:endParaRPr lang="en-US" dirty="0"/>
@@ -1433,7 +1433,7 @@
           </a:lstStyle>
           <a:p>
             <a:r>
-              <a:rPr lang="tr-TR" smtClean="0"/>
+              <a:rPr lang="tr-TR"/>
               <a:t>Asıl alt başlık stilini düzenlemek için tıklayın</a:t>
             </a:r>
             <a:endParaRPr lang="en-US" dirty="0"/>
@@ -1457,7 +1457,7 @@
           <a:p>
             <a:fld id="{9DEC071A-6FD2-4151-A6FF-3C679D984CAB}" type="datetime1">
               <a:rPr lang="en-US" smtClean="0"/>
-              <a:t>9/22/2021</a:t>
+              <a:t>11/13/21</a:t>
             </a:fld>
             <a:endParaRPr lang="tr-TR"/>
           </a:p>
@@ -1479,10 +1479,9 @@
           <a:lstStyle/>
           <a:p>
             <a:r>
-              <a:rPr lang="tr-TR" smtClean="0"/>
+              <a:rPr lang="tr-TR"/>
               <a:t>EMREHAN</a:t>
             </a:r>
-            <a:endParaRPr lang="tr-TR"/>
           </a:p>
         </p:txBody>
       </p:sp>
@@ -1566,7 +1565,7 @@
           </a:lstStyle>
           <a:p>
             <a:r>
-              <a:rPr lang="tr-TR" smtClean="0"/>
+              <a:rPr lang="tr-TR"/>
               <a:t>Asıl başlık stili için tıklatın</a:t>
             </a:r>
             <a:endParaRPr lang="en-US" dirty="0"/>
@@ -1689,7 +1688,7 @@
           <a:p>
             <a:pPr lvl="0"/>
             <a:r>
-              <a:rPr lang="tr-TR" smtClean="0"/>
+              <a:rPr lang="tr-TR"/>
               <a:t>Asıl metin stillerini düzenle</a:t>
             </a:r>
           </a:p>
@@ -1712,7 +1711,7 @@
           <a:p>
             <a:fld id="{ECDF1C57-0D94-4EA0-A269-1F090E47F52B}" type="datetime1">
               <a:rPr lang="en-US" smtClean="0"/>
-              <a:t>9/22/2021</a:t>
+              <a:t>11/13/21</a:t>
             </a:fld>
             <a:endParaRPr lang="tr-TR"/>
           </a:p>
@@ -1734,10 +1733,9 @@
           <a:lstStyle/>
           <a:p>
             <a:r>
-              <a:rPr lang="tr-TR" smtClean="0"/>
+              <a:rPr lang="tr-TR"/>
               <a:t>EMREHAN</a:t>
             </a:r>
-            <a:endParaRPr lang="tr-TR"/>
           </a:p>
         </p:txBody>
       </p:sp>
@@ -1821,7 +1819,7 @@
           </a:lstStyle>
           <a:p>
             <a:r>
-              <a:rPr lang="tr-TR" smtClean="0"/>
+              <a:rPr lang="tr-TR"/>
               <a:t>Asıl başlık stili için tıklatın</a:t>
             </a:r>
             <a:endParaRPr lang="en-US" dirty="0"/>
@@ -1885,7 +1883,7 @@
           <a:p>
             <a:pPr lvl="0"/>
             <a:r>
-              <a:rPr lang="tr-TR" smtClean="0"/>
+              <a:rPr lang="tr-TR"/>
               <a:t>Asıl metin stillerini düzenle</a:t>
             </a:r>
           </a:p>
@@ -2007,7 +2005,7 @@
           <a:p>
             <a:pPr lvl="0"/>
             <a:r>
-              <a:rPr lang="tr-TR" smtClean="0"/>
+              <a:rPr lang="tr-TR"/>
               <a:t>Asıl metin stillerini düzenle</a:t>
             </a:r>
           </a:p>
@@ -2030,7 +2028,7 @@
           <a:p>
             <a:fld id="{8E33EA0B-6EAC-42B5-95AB-E9104F90FB2F}" type="datetime1">
               <a:rPr lang="en-US" smtClean="0"/>
-              <a:t>9/22/2021</a:t>
+              <a:t>11/13/21</a:t>
             </a:fld>
             <a:endParaRPr lang="tr-TR"/>
           </a:p>
@@ -2052,10 +2050,9 @@
           <a:lstStyle/>
           <a:p>
             <a:r>
-              <a:rPr lang="tr-TR" smtClean="0"/>
+              <a:rPr lang="tr-TR"/>
               <a:t>EMREHAN</a:t>
             </a:r>
-            <a:endParaRPr lang="tr-TR"/>
           </a:p>
         </p:txBody>
       </p:sp>
@@ -2229,7 +2226,7 @@
           </a:lstStyle>
           <a:p>
             <a:r>
-              <a:rPr lang="tr-TR" smtClean="0"/>
+              <a:rPr lang="tr-TR"/>
               <a:t>Asıl başlık stili için tıklatın</a:t>
             </a:r>
             <a:endParaRPr lang="en-US" dirty="0"/>
@@ -2352,7 +2349,7 @@
           <a:p>
             <a:pPr lvl="0"/>
             <a:r>
-              <a:rPr lang="tr-TR" smtClean="0"/>
+              <a:rPr lang="tr-TR"/>
               <a:t>Asıl metin stillerini düzenle</a:t>
             </a:r>
           </a:p>
@@ -2375,7 +2372,7 @@
           <a:p>
             <a:fld id="{F37AAF9F-F73A-42A1-AD9A-A6B845DD2F8D}" type="datetime1">
               <a:rPr lang="en-US" smtClean="0"/>
-              <a:t>9/22/2021</a:t>
+              <a:t>11/13/21</a:t>
             </a:fld>
             <a:endParaRPr lang="tr-TR"/>
           </a:p>
@@ -2397,10 +2394,9 @@
           <a:lstStyle/>
           <a:p>
             <a:r>
-              <a:rPr lang="tr-TR" smtClean="0"/>
+              <a:rPr lang="tr-TR"/>
               <a:t>EMREHAN</a:t>
             </a:r>
-            <a:endParaRPr lang="tr-TR"/>
           </a:p>
         </p:txBody>
       </p:sp>
@@ -2484,7 +2480,7 @@
           </a:lstStyle>
           <a:p>
             <a:r>
-              <a:rPr lang="tr-TR" smtClean="0"/>
+              <a:rPr lang="tr-TR"/>
               <a:t>Asıl başlık stili için tıklatın</a:t>
             </a:r>
             <a:endParaRPr lang="en-US" dirty="0"/>
@@ -2548,7 +2544,7 @@
           <a:p>
             <a:pPr lvl="0"/>
             <a:r>
-              <a:rPr lang="tr-TR" smtClean="0"/>
+              <a:rPr lang="tr-TR"/>
               <a:t>Asıl metin stillerini düzenle</a:t>
             </a:r>
           </a:p>
@@ -2670,7 +2666,7 @@
           <a:p>
             <a:pPr lvl="0"/>
             <a:r>
-              <a:rPr lang="tr-TR" smtClean="0"/>
+              <a:rPr lang="tr-TR"/>
               <a:t>Asıl metin stillerini düzenle</a:t>
             </a:r>
           </a:p>
@@ -2693,7 +2689,7 @@
           <a:p>
             <a:fld id="{251CABA6-75C0-447F-981F-C491A6AFAB59}" type="datetime1">
               <a:rPr lang="en-US" smtClean="0"/>
-              <a:t>9/22/2021</a:t>
+              <a:t>11/13/21</a:t>
             </a:fld>
             <a:endParaRPr lang="tr-TR"/>
           </a:p>
@@ -2715,10 +2711,9 @@
           <a:lstStyle/>
           <a:p>
             <a:r>
-              <a:rPr lang="tr-TR" smtClean="0"/>
+              <a:rPr lang="tr-TR"/>
               <a:t>EMREHAN</a:t>
             </a:r>
-            <a:endParaRPr lang="tr-TR"/>
           </a:p>
         </p:txBody>
       </p:sp>
@@ -2884,7 +2879,7 @@
           </a:lstStyle>
           <a:p>
             <a:r>
-              <a:rPr lang="tr-TR" smtClean="0"/>
+              <a:rPr lang="tr-TR"/>
               <a:t>Asıl başlık stili için tıklatın</a:t>
             </a:r>
             <a:endParaRPr lang="en-US" dirty="0"/>
@@ -2945,7 +2940,7 @@
           <a:p>
             <a:pPr lvl="0"/>
             <a:r>
-              <a:rPr lang="tr-TR" smtClean="0"/>
+              <a:rPr lang="tr-TR"/>
               <a:t>Asıl metin stillerini düzenle</a:t>
             </a:r>
           </a:p>
@@ -3067,7 +3062,7 @@
           <a:p>
             <a:pPr lvl="0"/>
             <a:r>
-              <a:rPr lang="tr-TR" smtClean="0"/>
+              <a:rPr lang="tr-TR"/>
               <a:t>Asıl metin stillerini düzenle</a:t>
             </a:r>
           </a:p>
@@ -3090,7 +3085,7 @@
           <a:p>
             <a:fld id="{8ECC6EAF-0004-4B66-917D-2E2A5557DD18}" type="datetime1">
               <a:rPr lang="en-US" smtClean="0"/>
-              <a:t>9/22/2021</a:t>
+              <a:t>11/13/21</a:t>
             </a:fld>
             <a:endParaRPr lang="tr-TR"/>
           </a:p>
@@ -3112,10 +3107,9 @@
           <a:lstStyle/>
           <a:p>
             <a:r>
-              <a:rPr lang="tr-TR" smtClean="0"/>
+              <a:rPr lang="tr-TR"/>
               <a:t>EMREHAN</a:t>
             </a:r>
-            <a:endParaRPr lang="tr-TR"/>
           </a:p>
         </p:txBody>
       </p:sp>
@@ -3188,7 +3182,7 @@
           <a:lstStyle/>
           <a:p>
             <a:r>
-              <a:rPr lang="tr-TR" smtClean="0"/>
+              <a:rPr lang="tr-TR"/>
               <a:t>Asıl başlık stili için tıklatın</a:t>
             </a:r>
             <a:endParaRPr lang="en-US" dirty="0"/>
@@ -3212,35 +3206,35 @@
           <a:p>
             <a:pPr lvl="0"/>
             <a:r>
-              <a:rPr lang="tr-TR" smtClean="0"/>
+              <a:rPr lang="tr-TR"/>
               <a:t>Asıl metin stillerini düzenle</a:t>
             </a:r>
           </a:p>
           <a:p>
             <a:pPr lvl="1"/>
             <a:r>
-              <a:rPr lang="tr-TR" smtClean="0"/>
+              <a:rPr lang="tr-TR"/>
               <a:t>İkinci düzey</a:t>
             </a:r>
           </a:p>
           <a:p>
             <a:pPr lvl="2"/>
             <a:r>
-              <a:rPr lang="tr-TR" smtClean="0"/>
+              <a:rPr lang="tr-TR"/>
               <a:t>Üçüncü düzey</a:t>
             </a:r>
           </a:p>
           <a:p>
             <a:pPr lvl="3"/>
             <a:r>
-              <a:rPr lang="tr-TR" smtClean="0"/>
+              <a:rPr lang="tr-TR"/>
               <a:t>Dördüncü düzey</a:t>
             </a:r>
           </a:p>
           <a:p>
             <a:pPr lvl="4"/>
             <a:r>
-              <a:rPr lang="tr-TR" smtClean="0"/>
+              <a:rPr lang="tr-TR"/>
               <a:t>Beşinci düzey</a:t>
             </a:r>
             <a:endParaRPr lang="en-US" dirty="0"/>
@@ -3264,7 +3258,7 @@
           <a:p>
             <a:fld id="{A5AAE2C4-6A61-4540-918A-81022E77C775}" type="datetime1">
               <a:rPr lang="en-US" smtClean="0"/>
-              <a:t>9/22/2021</a:t>
+              <a:t>11/13/21</a:t>
             </a:fld>
             <a:endParaRPr lang="tr-TR"/>
           </a:p>
@@ -3286,10 +3280,9 @@
           <a:lstStyle/>
           <a:p>
             <a:r>
-              <a:rPr lang="tr-TR" smtClean="0"/>
+              <a:rPr lang="tr-TR"/>
               <a:t>EMREHAN</a:t>
             </a:r>
-            <a:endParaRPr lang="tr-TR"/>
           </a:p>
         </p:txBody>
       </p:sp>
@@ -3367,7 +3360,7 @@
           <a:lstStyle/>
           <a:p>
             <a:r>
-              <a:rPr lang="tr-TR" smtClean="0"/>
+              <a:rPr lang="tr-TR"/>
               <a:t>Asıl başlık stili için tıklatın</a:t>
             </a:r>
             <a:endParaRPr lang="en-US" dirty="0"/>
@@ -3396,35 +3389,35 @@
           <a:p>
             <a:pPr lvl="0"/>
             <a:r>
-              <a:rPr lang="tr-TR" smtClean="0"/>
+              <a:rPr lang="tr-TR"/>
               <a:t>Asıl metin stillerini düzenle</a:t>
             </a:r>
           </a:p>
           <a:p>
             <a:pPr lvl="1"/>
             <a:r>
-              <a:rPr lang="tr-TR" smtClean="0"/>
+              <a:rPr lang="tr-TR"/>
               <a:t>İkinci düzey</a:t>
             </a:r>
           </a:p>
           <a:p>
             <a:pPr lvl="2"/>
             <a:r>
-              <a:rPr lang="tr-TR" smtClean="0"/>
+              <a:rPr lang="tr-TR"/>
               <a:t>Üçüncü düzey</a:t>
             </a:r>
           </a:p>
           <a:p>
             <a:pPr lvl="3"/>
             <a:r>
-              <a:rPr lang="tr-TR" smtClean="0"/>
+              <a:rPr lang="tr-TR"/>
               <a:t>Dördüncü düzey</a:t>
             </a:r>
           </a:p>
           <a:p>
             <a:pPr lvl="4"/>
             <a:r>
-              <a:rPr lang="tr-TR" smtClean="0"/>
+              <a:rPr lang="tr-TR"/>
               <a:t>Beşinci düzey</a:t>
             </a:r>
             <a:endParaRPr lang="en-US" dirty="0"/>
@@ -3448,7 +3441,7 @@
           <a:p>
             <a:fld id="{E24064EA-1B05-4D3C-BAF9-4305FC5F9979}" type="datetime1">
               <a:rPr lang="en-US" smtClean="0"/>
-              <a:t>9/22/2021</a:t>
+              <a:t>11/13/21</a:t>
             </a:fld>
             <a:endParaRPr lang="tr-TR"/>
           </a:p>
@@ -3470,10 +3463,9 @@
           <a:lstStyle/>
           <a:p>
             <a:r>
-              <a:rPr lang="tr-TR" smtClean="0"/>
+              <a:rPr lang="tr-TR"/>
               <a:t>EMREHAN</a:t>
             </a:r>
-            <a:endParaRPr lang="tr-TR"/>
           </a:p>
         </p:txBody>
       </p:sp>
@@ -3552,7 +3544,7 @@
           </a:lstStyle>
           <a:p>
             <a:r>
-              <a:rPr lang="tr-TR" smtClean="0"/>
+              <a:rPr lang="tr-TR"/>
               <a:t>Asıl başlık stili için tıklatın</a:t>
             </a:r>
             <a:endParaRPr lang="en-US" dirty="0"/>
@@ -3576,35 +3568,35 @@
           <a:p>
             <a:pPr lvl="0"/>
             <a:r>
-              <a:rPr lang="tr-TR" smtClean="0"/>
+              <a:rPr lang="tr-TR"/>
               <a:t>Asıl metin stillerini düzenle</a:t>
             </a:r>
           </a:p>
           <a:p>
             <a:pPr lvl="1"/>
             <a:r>
-              <a:rPr lang="tr-TR" smtClean="0"/>
+              <a:rPr lang="tr-TR"/>
               <a:t>İkinci düzey</a:t>
             </a:r>
           </a:p>
           <a:p>
             <a:pPr lvl="2"/>
             <a:r>
-              <a:rPr lang="tr-TR" smtClean="0"/>
+              <a:rPr lang="tr-TR"/>
               <a:t>Üçüncü düzey</a:t>
             </a:r>
           </a:p>
           <a:p>
             <a:pPr lvl="3"/>
             <a:r>
-              <a:rPr lang="tr-TR" smtClean="0"/>
+              <a:rPr lang="tr-TR"/>
               <a:t>Dördüncü düzey</a:t>
             </a:r>
           </a:p>
           <a:p>
             <a:pPr lvl="4"/>
             <a:r>
-              <a:rPr lang="tr-TR" smtClean="0"/>
+              <a:rPr lang="tr-TR"/>
               <a:t>Beşinci düzey</a:t>
             </a:r>
             <a:endParaRPr lang="en-US" dirty="0"/>
@@ -3628,7 +3620,7 @@
           <a:p>
             <a:fld id="{B42B4FB0-0621-45E6-B97F-F77D45599D8C}" type="datetime1">
               <a:rPr lang="en-US" smtClean="0"/>
-              <a:t>9/22/2021</a:t>
+              <a:t>11/13/21</a:t>
             </a:fld>
             <a:endParaRPr lang="tr-TR"/>
           </a:p>
@@ -3650,10 +3642,9 @@
           <a:lstStyle/>
           <a:p>
             <a:r>
-              <a:rPr lang="tr-TR" smtClean="0"/>
+              <a:rPr lang="tr-TR"/>
               <a:t>EMREHAN</a:t>
             </a:r>
-            <a:endParaRPr lang="tr-TR"/>
           </a:p>
         </p:txBody>
       </p:sp>
@@ -3735,7 +3726,7 @@
           </a:lstStyle>
           <a:p>
             <a:r>
-              <a:rPr lang="tr-TR" smtClean="0"/>
+              <a:rPr lang="tr-TR"/>
               <a:t>Asıl başlık stili için tıklatın</a:t>
             </a:r>
             <a:endParaRPr lang="en-US" dirty="0"/>
@@ -3856,7 +3847,7 @@
           <a:p>
             <a:pPr lvl="0"/>
             <a:r>
-              <a:rPr lang="tr-TR" smtClean="0"/>
+              <a:rPr lang="tr-TR"/>
               <a:t>Asıl metin stillerini düzenle</a:t>
             </a:r>
           </a:p>
@@ -3879,7 +3870,7 @@
           <a:p>
             <a:fld id="{CBDF643A-C1B6-48DF-94B5-4E0D8A24B855}" type="datetime1">
               <a:rPr lang="en-US" smtClean="0"/>
-              <a:t>9/22/2021</a:t>
+              <a:t>11/13/21</a:t>
             </a:fld>
             <a:endParaRPr lang="tr-TR"/>
           </a:p>
@@ -3901,10 +3892,9 @@
           <a:lstStyle/>
           <a:p>
             <a:r>
-              <a:rPr lang="tr-TR" smtClean="0"/>
+              <a:rPr lang="tr-TR"/>
               <a:t>EMREHAN</a:t>
             </a:r>
-            <a:endParaRPr lang="tr-TR"/>
           </a:p>
         </p:txBody>
       </p:sp>
@@ -3977,7 +3967,7 @@
           <a:lstStyle/>
           <a:p>
             <a:r>
-              <a:rPr lang="tr-TR" smtClean="0"/>
+              <a:rPr lang="tr-TR"/>
               <a:t>Asıl başlık stili için tıklatın</a:t>
             </a:r>
             <a:endParaRPr lang="en-US" dirty="0"/>
@@ -4006,35 +3996,35 @@
           <a:p>
             <a:pPr lvl="0"/>
             <a:r>
-              <a:rPr lang="tr-TR" smtClean="0"/>
+              <a:rPr lang="tr-TR"/>
               <a:t>Asıl metin stillerini düzenle</a:t>
             </a:r>
           </a:p>
           <a:p>
             <a:pPr lvl="1"/>
             <a:r>
-              <a:rPr lang="tr-TR" smtClean="0"/>
+              <a:rPr lang="tr-TR"/>
               <a:t>İkinci düzey</a:t>
             </a:r>
           </a:p>
           <a:p>
             <a:pPr lvl="2"/>
             <a:r>
-              <a:rPr lang="tr-TR" smtClean="0"/>
+              <a:rPr lang="tr-TR"/>
               <a:t>Üçüncü düzey</a:t>
             </a:r>
           </a:p>
           <a:p>
             <a:pPr lvl="3"/>
             <a:r>
-              <a:rPr lang="tr-TR" smtClean="0"/>
+              <a:rPr lang="tr-TR"/>
               <a:t>Dördüncü düzey</a:t>
             </a:r>
           </a:p>
           <a:p>
             <a:pPr lvl="4"/>
             <a:r>
-              <a:rPr lang="tr-TR" smtClean="0"/>
+              <a:rPr lang="tr-TR"/>
               <a:t>Beşinci düzey</a:t>
             </a:r>
             <a:endParaRPr lang="en-US" dirty="0"/>
@@ -4063,35 +4053,35 @@
           <a:p>
             <a:pPr lvl="0"/>
             <a:r>
-              <a:rPr lang="tr-TR" smtClean="0"/>
+              <a:rPr lang="tr-TR"/>
               <a:t>Asıl metin stillerini düzenle</a:t>
             </a:r>
           </a:p>
           <a:p>
             <a:pPr lvl="1"/>
             <a:r>
-              <a:rPr lang="tr-TR" smtClean="0"/>
+              <a:rPr lang="tr-TR"/>
               <a:t>İkinci düzey</a:t>
             </a:r>
           </a:p>
           <a:p>
             <a:pPr lvl="2"/>
             <a:r>
-              <a:rPr lang="tr-TR" smtClean="0"/>
+              <a:rPr lang="tr-TR"/>
               <a:t>Üçüncü düzey</a:t>
             </a:r>
           </a:p>
           <a:p>
             <a:pPr lvl="3"/>
             <a:r>
-              <a:rPr lang="tr-TR" smtClean="0"/>
+              <a:rPr lang="tr-TR"/>
               <a:t>Dördüncü düzey</a:t>
             </a:r>
           </a:p>
           <a:p>
             <a:pPr lvl="4"/>
             <a:r>
-              <a:rPr lang="tr-TR" smtClean="0"/>
+              <a:rPr lang="tr-TR"/>
               <a:t>Beşinci düzey</a:t>
             </a:r>
             <a:endParaRPr lang="en-US" dirty="0"/>
@@ -4115,7 +4105,7 @@
           <a:p>
             <a:fld id="{D7A14827-174D-4DB9-A803-417B03C83866}" type="datetime1">
               <a:rPr lang="en-US" smtClean="0"/>
-              <a:t>9/22/2021</a:t>
+              <a:t>11/13/21</a:t>
             </a:fld>
             <a:endParaRPr lang="tr-TR"/>
           </a:p>
@@ -4137,10 +4127,9 @@
           <a:lstStyle/>
           <a:p>
             <a:r>
-              <a:rPr lang="tr-TR" smtClean="0"/>
+              <a:rPr lang="tr-TR"/>
               <a:t>EMREHAN</a:t>
             </a:r>
-            <a:endParaRPr lang="tr-TR"/>
           </a:p>
         </p:txBody>
       </p:sp>
@@ -4217,7 +4206,7 @@
           </a:lstStyle>
           <a:p>
             <a:r>
-              <a:rPr lang="tr-TR" smtClean="0"/>
+              <a:rPr lang="tr-TR"/>
               <a:t>Asıl başlık stili için tıklatın</a:t>
             </a:r>
             <a:endParaRPr lang="en-US" dirty="0"/>
@@ -4285,7 +4274,7 @@
           <a:p>
             <a:pPr lvl="0"/>
             <a:r>
-              <a:rPr lang="tr-TR" smtClean="0"/>
+              <a:rPr lang="tr-TR"/>
               <a:t>Asıl metin stillerini düzenle</a:t>
             </a:r>
           </a:p>
@@ -4315,35 +4304,35 @@
           <a:p>
             <a:pPr lvl="0"/>
             <a:r>
-              <a:rPr lang="tr-TR" smtClean="0"/>
+              <a:rPr lang="tr-TR"/>
               <a:t>Asıl metin stillerini düzenle</a:t>
             </a:r>
           </a:p>
           <a:p>
             <a:pPr lvl="1"/>
             <a:r>
-              <a:rPr lang="tr-TR" smtClean="0"/>
+              <a:rPr lang="tr-TR"/>
               <a:t>İkinci düzey</a:t>
             </a:r>
           </a:p>
           <a:p>
             <a:pPr lvl="2"/>
             <a:r>
-              <a:rPr lang="tr-TR" smtClean="0"/>
+              <a:rPr lang="tr-TR"/>
               <a:t>Üçüncü düzey</a:t>
             </a:r>
           </a:p>
           <a:p>
             <a:pPr lvl="3"/>
             <a:r>
-              <a:rPr lang="tr-TR" smtClean="0"/>
+              <a:rPr lang="tr-TR"/>
               <a:t>Dördüncü düzey</a:t>
             </a:r>
           </a:p>
           <a:p>
             <a:pPr lvl="4"/>
             <a:r>
-              <a:rPr lang="tr-TR" smtClean="0"/>
+              <a:rPr lang="tr-TR"/>
               <a:t>Beşinci düzey</a:t>
             </a:r>
             <a:endParaRPr lang="en-US" dirty="0"/>
@@ -4411,7 +4400,7 @@
           <a:p>
             <a:pPr lvl="0"/>
             <a:r>
-              <a:rPr lang="tr-TR" smtClean="0"/>
+              <a:rPr lang="tr-TR"/>
               <a:t>Asıl metin stillerini düzenle</a:t>
             </a:r>
           </a:p>
@@ -4441,35 +4430,35 @@
           <a:p>
             <a:pPr lvl="0"/>
             <a:r>
-              <a:rPr lang="tr-TR" smtClean="0"/>
+              <a:rPr lang="tr-TR"/>
               <a:t>Asıl metin stillerini düzenle</a:t>
             </a:r>
           </a:p>
           <a:p>
             <a:pPr lvl="1"/>
             <a:r>
-              <a:rPr lang="tr-TR" smtClean="0"/>
+              <a:rPr lang="tr-TR"/>
               <a:t>İkinci düzey</a:t>
             </a:r>
           </a:p>
           <a:p>
             <a:pPr lvl="2"/>
             <a:r>
-              <a:rPr lang="tr-TR" smtClean="0"/>
+              <a:rPr lang="tr-TR"/>
               <a:t>Üçüncü düzey</a:t>
             </a:r>
           </a:p>
           <a:p>
             <a:pPr lvl="3"/>
             <a:r>
-              <a:rPr lang="tr-TR" smtClean="0"/>
+              <a:rPr lang="tr-TR"/>
               <a:t>Dördüncü düzey</a:t>
             </a:r>
           </a:p>
           <a:p>
             <a:pPr lvl="4"/>
             <a:r>
-              <a:rPr lang="tr-TR" smtClean="0"/>
+              <a:rPr lang="tr-TR"/>
               <a:t>Beşinci düzey</a:t>
             </a:r>
             <a:endParaRPr lang="en-US" dirty="0"/>
@@ -4493,7 +4482,7 @@
           <a:p>
             <a:fld id="{4F51A246-7487-4D5D-8336-8AA8EF1B3038}" type="datetime1">
               <a:rPr lang="en-US" smtClean="0"/>
-              <a:t>9/22/2021</a:t>
+              <a:t>11/13/21</a:t>
             </a:fld>
             <a:endParaRPr lang="tr-TR"/>
           </a:p>
@@ -4515,10 +4504,9 @@
           <a:lstStyle/>
           <a:p>
             <a:r>
-              <a:rPr lang="tr-TR" smtClean="0"/>
+              <a:rPr lang="tr-TR"/>
               <a:t>EMREHAN</a:t>
             </a:r>
-            <a:endParaRPr lang="tr-TR"/>
           </a:p>
         </p:txBody>
       </p:sp>
@@ -4596,7 +4584,7 @@
           <a:lstStyle/>
           <a:p>
             <a:r>
-              <a:rPr lang="tr-TR" smtClean="0"/>
+              <a:rPr lang="tr-TR"/>
               <a:t>Asıl başlık stili için tıklatın</a:t>
             </a:r>
             <a:endParaRPr lang="en-US" dirty="0"/>
@@ -4620,7 +4608,7 @@
           <a:p>
             <a:fld id="{77E88224-290D-41FE-830C-398CE41FC738}" type="datetime1">
               <a:rPr lang="en-US" smtClean="0"/>
-              <a:t>9/22/2021</a:t>
+              <a:t>11/13/21</a:t>
             </a:fld>
             <a:endParaRPr lang="tr-TR"/>
           </a:p>
@@ -4642,10 +4630,9 @@
           <a:lstStyle/>
           <a:p>
             <a:r>
-              <a:rPr lang="tr-TR" smtClean="0"/>
+              <a:rPr lang="tr-TR"/>
               <a:t>EMREHAN</a:t>
             </a:r>
-            <a:endParaRPr lang="tr-TR"/>
           </a:p>
         </p:txBody>
       </p:sp>
@@ -4719,7 +4706,7 @@
           <a:p>
             <a:fld id="{A439C65F-4EA6-4EDF-9510-59D269AB63DE}" type="datetime1">
               <a:rPr lang="en-US" smtClean="0"/>
-              <a:t>9/22/2021</a:t>
+              <a:t>11/13/21</a:t>
             </a:fld>
             <a:endParaRPr lang="tr-TR"/>
           </a:p>
@@ -4741,10 +4728,9 @@
           <a:lstStyle/>
           <a:p>
             <a:r>
-              <a:rPr lang="tr-TR" smtClean="0"/>
+              <a:rPr lang="tr-TR"/>
               <a:t>EMREHAN</a:t>
             </a:r>
-            <a:endParaRPr lang="tr-TR"/>
           </a:p>
         </p:txBody>
       </p:sp>
@@ -4828,7 +4814,7 @@
           </a:lstStyle>
           <a:p>
             <a:r>
-              <a:rPr lang="tr-TR" smtClean="0"/>
+              <a:rPr lang="tr-TR"/>
               <a:t>Asıl başlık stili için tıklatın</a:t>
             </a:r>
             <a:endParaRPr lang="en-US" dirty="0"/>
@@ -4859,35 +4845,35 @@
           <a:p>
             <a:pPr lvl="0"/>
             <a:r>
-              <a:rPr lang="tr-TR" smtClean="0"/>
+              <a:rPr lang="tr-TR"/>
               <a:t>Asıl metin stillerini düzenle</a:t>
             </a:r>
           </a:p>
           <a:p>
             <a:pPr lvl="1"/>
             <a:r>
-              <a:rPr lang="tr-TR" smtClean="0"/>
+              <a:rPr lang="tr-TR"/>
               <a:t>İkinci düzey</a:t>
             </a:r>
           </a:p>
           <a:p>
             <a:pPr lvl="2"/>
             <a:r>
-              <a:rPr lang="tr-TR" smtClean="0"/>
+              <a:rPr lang="tr-TR"/>
               <a:t>Üçüncü düzey</a:t>
             </a:r>
           </a:p>
           <a:p>
             <a:pPr lvl="3"/>
             <a:r>
-              <a:rPr lang="tr-TR" smtClean="0"/>
+              <a:rPr lang="tr-TR"/>
               <a:t>Dördüncü düzey</a:t>
             </a:r>
           </a:p>
           <a:p>
             <a:pPr lvl="4"/>
             <a:r>
-              <a:rPr lang="tr-TR" smtClean="0"/>
+              <a:rPr lang="tr-TR"/>
               <a:t>Beşinci düzey</a:t>
             </a:r>
             <a:endParaRPr lang="en-US" dirty="0"/>
@@ -4955,7 +4941,7 @@
           <a:p>
             <a:pPr lvl="0"/>
             <a:r>
-              <a:rPr lang="tr-TR" smtClean="0"/>
+              <a:rPr lang="tr-TR"/>
               <a:t>Asıl metin stillerini düzenle</a:t>
             </a:r>
           </a:p>
@@ -4978,7 +4964,7 @@
           <a:p>
             <a:fld id="{243D84D4-1121-4F8F-8325-F7EEC9A711F9}" type="datetime1">
               <a:rPr lang="en-US" smtClean="0"/>
-              <a:t>9/22/2021</a:t>
+              <a:t>11/13/21</a:t>
             </a:fld>
             <a:endParaRPr lang="tr-TR"/>
           </a:p>
@@ -5000,10 +4986,9 @@
           <a:lstStyle/>
           <a:p>
             <a:r>
-              <a:rPr lang="tr-TR" smtClean="0"/>
+              <a:rPr lang="tr-TR"/>
               <a:t>EMREHAN</a:t>
             </a:r>
-            <a:endParaRPr lang="tr-TR"/>
           </a:p>
         </p:txBody>
       </p:sp>
@@ -5087,7 +5072,7 @@
           </a:lstStyle>
           <a:p>
             <a:r>
-              <a:rPr lang="tr-TR" smtClean="0"/>
+              <a:rPr lang="tr-TR"/>
               <a:t>Asıl başlık stili için tıklatın</a:t>
             </a:r>
             <a:endParaRPr lang="en-US" dirty="0"/>
@@ -5154,7 +5139,7 @@
           </a:lstStyle>
           <a:p>
             <a:r>
-              <a:rPr lang="tr-TR" smtClean="0"/>
+              <a:rPr lang="tr-TR"/>
               <a:t>Resim eklemek için simgeyi tıklatın</a:t>
             </a:r>
             <a:endParaRPr lang="en-US" dirty="0"/>
@@ -5222,7 +5207,7 @@
           <a:p>
             <a:pPr lvl="0"/>
             <a:r>
-              <a:rPr lang="tr-TR" smtClean="0"/>
+              <a:rPr lang="tr-TR"/>
               <a:t>Asıl metin stillerini düzenle</a:t>
             </a:r>
           </a:p>
@@ -5245,7 +5230,7 @@
           <a:p>
             <a:fld id="{C0F8983E-0268-4BC9-BF40-F0F2EF664DA5}" type="datetime1">
               <a:rPr lang="en-US" smtClean="0"/>
-              <a:t>9/22/2021</a:t>
+              <a:t>11/13/21</a:t>
             </a:fld>
             <a:endParaRPr lang="tr-TR"/>
           </a:p>
@@ -5267,10 +5252,9 @@
           <a:lstStyle/>
           <a:p>
             <a:r>
-              <a:rPr lang="tr-TR" smtClean="0"/>
+              <a:rPr lang="tr-TR"/>
               <a:t>EMREHAN</a:t>
             </a:r>
-            <a:endParaRPr lang="tr-TR"/>
           </a:p>
         </p:txBody>
       </p:sp>
@@ -5888,7 +5872,7 @@
           <a:lstStyle/>
           <a:p>
             <a:r>
-              <a:rPr lang="tr-TR" smtClean="0"/>
+              <a:rPr lang="tr-TR"/>
               <a:t>Asıl başlık stili için tıklatın</a:t>
             </a:r>
             <a:endParaRPr lang="en-US" dirty="0"/>
@@ -5922,35 +5906,35 @@
           <a:p>
             <a:pPr lvl="0"/>
             <a:r>
-              <a:rPr lang="tr-TR" smtClean="0"/>
+              <a:rPr lang="tr-TR"/>
               <a:t>Asıl metin stillerini düzenle</a:t>
             </a:r>
           </a:p>
           <a:p>
             <a:pPr lvl="1"/>
             <a:r>
-              <a:rPr lang="tr-TR" smtClean="0"/>
+              <a:rPr lang="tr-TR"/>
               <a:t>İkinci düzey</a:t>
             </a:r>
           </a:p>
           <a:p>
             <a:pPr lvl="2"/>
             <a:r>
-              <a:rPr lang="tr-TR" smtClean="0"/>
+              <a:rPr lang="tr-TR"/>
               <a:t>Üçüncü düzey</a:t>
             </a:r>
           </a:p>
           <a:p>
             <a:pPr lvl="3"/>
             <a:r>
-              <a:rPr lang="tr-TR" smtClean="0"/>
+              <a:rPr lang="tr-TR"/>
               <a:t>Dördüncü düzey</a:t>
             </a:r>
           </a:p>
           <a:p>
             <a:pPr lvl="4"/>
             <a:r>
-              <a:rPr lang="tr-TR" smtClean="0"/>
+              <a:rPr lang="tr-TR"/>
               <a:t>Beşinci düzey</a:t>
             </a:r>
             <a:endParaRPr lang="en-US" dirty="0"/>
@@ -5992,7 +5976,7 @@
           <a:p>
             <a:fld id="{AECE2381-2D3D-4666-A1D5-D32CA623C61A}" type="datetime1">
               <a:rPr lang="en-US" smtClean="0"/>
-              <a:t>9/22/2021</a:t>
+              <a:t>11/13/21</a:t>
             </a:fld>
             <a:endParaRPr lang="tr-TR"/>
           </a:p>
@@ -6032,10 +6016,9 @@
           </a:lstStyle>
           <a:p>
             <a:r>
-              <a:rPr lang="tr-TR" smtClean="0"/>
+              <a:rPr lang="tr-TR"/>
               <a:t>EMREHAN</a:t>
             </a:r>
-            <a:endParaRPr lang="tr-TR"/>
           </a:p>
         </p:txBody>
       </p:sp>
@@ -6541,32 +6524,27 @@
           <a:lstStyle/>
           <a:p>
             <a:r>
-              <a:rPr lang="tr-TR" dirty="0" smtClean="0"/>
+              <a:rPr lang="tr-TR" dirty="0"/>
               <a:t>PREDICTION MODELS BASED ON MAX-STEMS</a:t>
             </a:r>
             <a:br>
-              <a:rPr lang="tr-TR" dirty="0" smtClean="0"/>
+              <a:rPr lang="tr-TR" dirty="0"/>
             </a:br>
             <a:r>
-              <a:rPr lang="tr-TR" sz="4000" dirty="0" smtClean="0"/>
+              <a:rPr lang="tr-TR" sz="4000" dirty="0"/>
               <a:t>(or harnessing imbalanced data)</a:t>
             </a:r>
             <a:br>
-              <a:rPr lang="tr-TR" sz="4000" dirty="0" smtClean="0"/>
+              <a:rPr lang="tr-TR" sz="4000" dirty="0"/>
             </a:br>
             <a:r>
-              <a:rPr lang="tr-TR" sz="2000" dirty="0" smtClean="0">
+              <a:rPr lang="tr-TR" sz="2000" dirty="0">
                 <a:solidFill>
                   <a:schemeClr val="tx1"/>
                 </a:solidFill>
               </a:rPr>
               <a:t>Episode Four: Advanced Examinations  </a:t>
             </a:r>
-            <a:endParaRPr lang="tr-TR" sz="2000" dirty="0">
-              <a:solidFill>
-                <a:schemeClr val="tx1"/>
-              </a:solidFill>
-            </a:endParaRPr>
           </a:p>
         </p:txBody>
       </p:sp>
@@ -6586,13 +6564,13 @@
           <a:lstStyle/>
           <a:p>
             <a:r>
-              <a:rPr lang="tr-TR" dirty="0" smtClean="0"/>
+              <a:rPr lang="tr-TR" dirty="0"/>
               <a:t>Ahmet Furkan EMREHAN</a:t>
             </a:r>
           </a:p>
           <a:p>
             <a:r>
-              <a:rPr lang="tr-TR" dirty="0" smtClean="0"/>
+              <a:rPr lang="tr-TR" dirty="0"/>
               <a:t>(matahmet@gmail.com)</a:t>
             </a:r>
           </a:p>
@@ -6618,7 +6596,7 @@
           <a:p>
             <a:fld id="{274BD4B1-15EE-4FF2-BBDB-1033E8BB136B}" type="datetime1">
               <a:rPr lang="en-US" smtClean="0"/>
-              <a:t>9/22/2021</a:t>
+              <a:t>11/13/21</a:t>
             </a:fld>
             <a:endParaRPr lang="tr-TR"/>
           </a:p>
@@ -6640,10 +6618,9 @@
           <a:lstStyle/>
           <a:p>
             <a:r>
-              <a:rPr lang="tr-TR" smtClean="0"/>
+              <a:rPr lang="tr-TR"/>
               <a:t>EMREHAN</a:t>
             </a:r>
-            <a:endParaRPr lang="tr-TR"/>
           </a:p>
         </p:txBody>
       </p:sp>
@@ -6670,6 +6647,42 @@
           </a:p>
         </p:txBody>
       </p:sp>
+      <p:pic>
+        <p:nvPicPr>
+          <p:cNvPr id="8" name="Picture 7" descr="Logo&#10;&#10;Description automatically generated">
+            <a:extLst>
+              <a:ext uri="{FF2B5EF4-FFF2-40B4-BE49-F238E27FC236}">
+                <a16:creationId xmlns:a16="http://schemas.microsoft.com/office/drawing/2014/main" id="{B93B9279-CDA4-0043-B0DC-E81A22D98BB7}"/>
+              </a:ext>
+            </a:extLst>
+          </p:cNvPr>
+          <p:cNvPicPr>
+            <a:picLocks noChangeAspect="1"/>
+          </p:cNvPicPr>
+          <p:nvPr/>
+        </p:nvPicPr>
+        <p:blipFill>
+          <a:blip r:embed="rId2">
+            <a:extLst>
+              <a:ext uri="{28A0092B-C50C-407E-A947-70E740481C1C}">
+                <a14:useLocalDpi xmlns:a14="http://schemas.microsoft.com/office/drawing/2010/main" val="0"/>
+              </a:ext>
+            </a:extLst>
+          </a:blip>
+          <a:stretch>
+            <a:fillRect/>
+          </a:stretch>
+        </p:blipFill>
+        <p:spPr>
+          <a:xfrm>
+            <a:off x="10622015" y="6420023"/>
+            <a:ext cx="1515555" cy="383547"/>
+          </a:xfrm>
+          <a:prstGeom prst="rect">
+            <a:avLst/>
+          </a:prstGeom>
+        </p:spPr>
+      </p:pic>
     </p:spTree>
     <p:extLst>
       <p:ext uri="{BB962C8B-B14F-4D97-AF65-F5344CB8AC3E}">
@@ -6680,13 +6693,6 @@
   <p:clrMapOvr>
     <a:masterClrMapping/>
   </p:clrMapOvr>
-  <p:timing>
-    <p:tnLst>
-      <p:par>
-        <p:cTn id="1" dur="indefinite" restart="never" nodeType="tmRoot"/>
-      </p:par>
-    </p:tnLst>
-  </p:timing>
 </p:sld>
 </file>
 
@@ -6745,14 +6751,14 @@
           <a:lstStyle/>
           <a:p>
             <a:r>
-              <a:rPr lang="tr-TR" dirty="0" smtClean="0"/>
+              <a:rPr lang="tr-TR" dirty="0"/>
               <a:t>Conclusion:</a:t>
             </a:r>
           </a:p>
           <a:p>
             <a:pPr algn="just"/>
             <a:r>
-              <a:rPr lang="tr-TR" dirty="0" smtClean="0"/>
+              <a:rPr lang="tr-TR" dirty="0"/>
               <a:t>Whereas NAYN predictor is successful at predicting documents labelled with «DÜNYA», other prediction models (one stems and combinatorial approach) is more successful at predicting documents labelled with other categories. </a:t>
             </a:r>
           </a:p>
@@ -6760,7 +6766,7 @@
             <a:pPr marL="0" indent="0" algn="just">
               <a:buNone/>
             </a:pPr>
-            <a:endParaRPr lang="tr-TR" dirty="0" smtClean="0"/>
+            <a:endParaRPr lang="tr-TR" dirty="0"/>
           </a:p>
         </p:txBody>
       </p:sp>
@@ -6781,7 +6787,7 @@
           <a:p>
             <a:fld id="{B42B4FB0-0621-45E6-B97F-F77D45599D8C}" type="datetime1">
               <a:rPr lang="en-US" smtClean="0"/>
-              <a:t>9/22/2021</a:t>
+              <a:t>11/13/21</a:t>
             </a:fld>
             <a:endParaRPr lang="tr-TR"/>
           </a:p>
@@ -6803,10 +6809,9 @@
           <a:lstStyle/>
           <a:p>
             <a:r>
-              <a:rPr lang="tr-TR" smtClean="0"/>
+              <a:rPr lang="tr-TR"/>
               <a:t>EMREHAN</a:t>
             </a:r>
-            <a:endParaRPr lang="tr-TR"/>
           </a:p>
         </p:txBody>
       </p:sp>
@@ -6833,6 +6838,42 @@
           </a:p>
         </p:txBody>
       </p:sp>
+      <p:pic>
+        <p:nvPicPr>
+          <p:cNvPr id="7" name="Picture 6" descr="Logo&#10;&#10;Description automatically generated">
+            <a:extLst>
+              <a:ext uri="{FF2B5EF4-FFF2-40B4-BE49-F238E27FC236}">
+                <a16:creationId xmlns:a16="http://schemas.microsoft.com/office/drawing/2014/main" id="{199C6E85-8465-9F4A-9ACC-5F5C642F20C5}"/>
+              </a:ext>
+            </a:extLst>
+          </p:cNvPr>
+          <p:cNvPicPr>
+            <a:picLocks noChangeAspect="1"/>
+          </p:cNvPicPr>
+          <p:nvPr/>
+        </p:nvPicPr>
+        <p:blipFill>
+          <a:blip r:embed="rId2">
+            <a:extLst>
+              <a:ext uri="{28A0092B-C50C-407E-A947-70E740481C1C}">
+                <a14:useLocalDpi xmlns:a14="http://schemas.microsoft.com/office/drawing/2010/main" val="0"/>
+              </a:ext>
+            </a:extLst>
+          </a:blip>
+          <a:stretch>
+            <a:fillRect/>
+          </a:stretch>
+        </p:blipFill>
+        <p:spPr>
+          <a:xfrm>
+            <a:off x="10622015" y="6420023"/>
+            <a:ext cx="1515555" cy="383547"/>
+          </a:xfrm>
+          <a:prstGeom prst="rect">
+            <a:avLst/>
+          </a:prstGeom>
+        </p:spPr>
+      </p:pic>
     </p:spTree>
     <p:extLst>
       <p:ext uri="{BB962C8B-B14F-4D97-AF65-F5344CB8AC3E}">
@@ -6909,7 +6950,7 @@
               <a:lstStyle/>
               <a:p>
                 <a:r>
-                  <a:rPr lang="tr-TR" dirty="0" smtClean="0"/>
+                  <a:rPr lang="tr-TR" dirty="0"/>
                   <a:t>In this section we use trigonometric approach to hyperparameters such that </a:t>
                 </a:r>
               </a:p>
@@ -7187,7 +7228,7 @@
           <a:p>
             <a:fld id="{B42B4FB0-0621-45E6-B97F-F77D45599D8C}" type="datetime1">
               <a:rPr lang="en-US" smtClean="0"/>
-              <a:t>9/22/2021</a:t>
+              <a:t>11/13/21</a:t>
             </a:fld>
             <a:endParaRPr lang="tr-TR"/>
           </a:p>
@@ -7209,10 +7250,9 @@
           <a:lstStyle/>
           <a:p>
             <a:r>
-              <a:rPr lang="tr-TR" smtClean="0"/>
+              <a:rPr lang="tr-TR"/>
               <a:t>EMREHAN</a:t>
             </a:r>
-            <a:endParaRPr lang="tr-TR"/>
           </a:p>
         </p:txBody>
       </p:sp>
@@ -7239,6 +7279,42 @@
           </a:p>
         </p:txBody>
       </p:sp>
+      <p:pic>
+        <p:nvPicPr>
+          <p:cNvPr id="7" name="Picture 6" descr="Logo&#10;&#10;Description automatically generated">
+            <a:extLst>
+              <a:ext uri="{FF2B5EF4-FFF2-40B4-BE49-F238E27FC236}">
+                <a16:creationId xmlns:a16="http://schemas.microsoft.com/office/drawing/2014/main" id="{DE5E2B6E-82B4-7442-93AB-1D7C061D5DB6}"/>
+              </a:ext>
+            </a:extLst>
+          </p:cNvPr>
+          <p:cNvPicPr>
+            <a:picLocks noChangeAspect="1"/>
+          </p:cNvPicPr>
+          <p:nvPr/>
+        </p:nvPicPr>
+        <p:blipFill>
+          <a:blip r:embed="rId3">
+            <a:extLst>
+              <a:ext uri="{28A0092B-C50C-407E-A947-70E740481C1C}">
+                <a14:useLocalDpi xmlns:a14="http://schemas.microsoft.com/office/drawing/2010/main" val="0"/>
+              </a:ext>
+            </a:extLst>
+          </a:blip>
+          <a:stretch>
+            <a:fillRect/>
+          </a:stretch>
+        </p:blipFill>
+        <p:spPr>
+          <a:xfrm>
+            <a:off x="10622015" y="6420023"/>
+            <a:ext cx="1515555" cy="383547"/>
+          </a:xfrm>
+          <a:prstGeom prst="rect">
+            <a:avLst/>
+          </a:prstGeom>
+        </p:spPr>
+      </p:pic>
     </p:spTree>
     <p:extLst>
       <p:ext uri="{BB962C8B-B14F-4D97-AF65-F5344CB8AC3E}">
@@ -7302,46 +7378,7 @@
                   </a:outerShdw>
                 </a:effectLst>
               </a:rPr>
-              <a:t>General </a:t>
-            </a:r>
-            <a:r>
-              <a:rPr lang="tr-TR" sz="2800" dirty="0" smtClean="0">
-                <a:ln w="0"/>
-                <a:effectLst>
-                  <a:outerShdw blurRad="38100" dist="19050" dir="2700000" algn="tl" rotWithShape="0">
-                    <a:schemeClr val="dk1">
-                      <a:alpha val="40000"/>
-                    </a:schemeClr>
-                  </a:outerShdw>
-                </a:effectLst>
-              </a:rPr>
-              <a:t>Scheme for Application </a:t>
-            </a:r>
-            <a:r>
-              <a:rPr lang="tr-TR" sz="2800" dirty="0" smtClean="0">
-                <a:ln w="0"/>
-                <a:effectLst>
-                  <a:outerShdw blurRad="38100" dist="19050" dir="2700000" algn="tl" rotWithShape="0">
-                    <a:schemeClr val="dk1">
-                      <a:alpha val="40000"/>
-                    </a:schemeClr>
-                  </a:outerShdw>
-                </a:effectLst>
-              </a:rPr>
-              <a:t>of Trigonometric Approach to </a:t>
-            </a:r>
-            <a:r>
-              <a:rPr lang="tr-TR" sz="2800" dirty="0" smtClean="0">
-                <a:ln w="0"/>
-                <a:effectLst>
-                  <a:outerShdw blurRad="38100" dist="19050" dir="2700000" algn="tl" rotWithShape="0">
-                    <a:schemeClr val="dk1">
-                      <a:alpha val="40000"/>
-                    </a:schemeClr>
-                  </a:outerShdw>
-                </a:effectLst>
-              </a:rPr>
-              <a:t>Prediction Models with hyperparameter </a:t>
+              <a:t>General Scheme for Application of Trigonometric Approach to Prediction Models with hyperparameter </a:t>
             </a:r>
             <a:endParaRPr lang="tr-TR" sz="2800" dirty="0"/>
           </a:p>
@@ -7387,10 +7424,9 @@
           <a:p>
             <a:pPr algn="ctr"/>
             <a:r>
-              <a:rPr lang="tr-TR" dirty="0" smtClean="0"/>
+              <a:rPr lang="tr-TR" dirty="0"/>
               <a:t>X_test</a:t>
             </a:r>
-            <a:endParaRPr lang="tr-TR" dirty="0"/>
           </a:p>
         </p:txBody>
       </p:sp>
@@ -7657,18 +7693,13 @@
                   </m:oMath>
                 </a14:m>
                 <a:r>
-                  <a:rPr lang="tr-TR" sz="1000" dirty="0" smtClean="0">
+                  <a:rPr lang="tr-TR" sz="1000" dirty="0">
                     <a:solidFill>
                       <a:schemeClr val="tx1"/>
                     </a:solidFill>
                   </a:rPr>
                   <a:t>)</a:t>
                 </a:r>
-                <a:endParaRPr lang="tr-TR" sz="1000" dirty="0">
-                  <a:solidFill>
-                    <a:schemeClr val="tx1"/>
-                  </a:solidFill>
-                </a:endParaRPr>
               </a:p>
             </p:txBody>
           </p:sp>
@@ -8157,18 +8188,13 @@
                   </m:oMath>
                 </a14:m>
                 <a:r>
-                  <a:rPr lang="tr-TR" sz="1000" dirty="0" smtClean="0">
+                  <a:rPr lang="tr-TR" sz="1000" dirty="0">
                     <a:solidFill>
                       <a:schemeClr val="tx1"/>
                     </a:solidFill>
                   </a:rPr>
                   <a:t>)</a:t>
                 </a:r>
-                <a:endParaRPr lang="tr-TR" sz="1000" dirty="0">
-                  <a:solidFill>
-                    <a:schemeClr val="tx1"/>
-                  </a:solidFill>
-                </a:endParaRPr>
               </a:p>
             </p:txBody>
           </p:sp>
@@ -8858,7 +8884,7 @@
           <a:p>
             <a:pPr algn="ctr"/>
             <a:r>
-              <a:rPr lang="tr-TR" sz="1500" b="0" cap="none" spc="0" dirty="0" smtClean="0">
+              <a:rPr lang="tr-TR" sz="1500" b="0" cap="none" spc="0" dirty="0">
                 <a:ln w="0"/>
                 <a:solidFill>
                   <a:schemeClr val="accent1"/>
@@ -8877,7 +8903,7 @@
           <a:p>
             <a:pPr algn="ctr"/>
             <a:r>
-              <a:rPr lang="tr-TR" sz="1500" dirty="0" smtClean="0">
+              <a:rPr lang="tr-TR" sz="1500" dirty="0">
                 <a:ln w="0"/>
                 <a:solidFill>
                   <a:schemeClr val="accent1"/>
@@ -9980,7 +10006,7 @@
           <a:p>
             <a:pPr algn="ctr"/>
             <a:r>
-              <a:rPr lang="tr-TR" sz="1500" b="0" cap="none" spc="0" dirty="0" smtClean="0">
+              <a:rPr lang="tr-TR" sz="1500" b="0" cap="none" spc="0" dirty="0">
                 <a:ln w="0"/>
                 <a:solidFill>
                   <a:schemeClr val="accent1"/>
@@ -9999,7 +10025,7 @@
           <a:p>
             <a:pPr algn="ctr"/>
             <a:r>
-              <a:rPr lang="tr-TR" sz="1500" dirty="0" smtClean="0">
+              <a:rPr lang="tr-TR" sz="1500" dirty="0">
                 <a:ln w="0"/>
                 <a:solidFill>
                   <a:schemeClr val="accent1"/>
@@ -10089,10 +10115,9 @@
           <a:p>
             <a:pPr algn="ctr"/>
             <a:r>
-              <a:rPr lang="tr-TR" sz="1200" dirty="0" smtClean="0"/>
+              <a:rPr lang="tr-TR" sz="1200" dirty="0"/>
               <a:t>Analyze_doc</a:t>
             </a:r>
-            <a:endParaRPr lang="tr-TR" sz="1200" dirty="0"/>
           </a:p>
         </p:txBody>
       </p:sp>
@@ -10389,10 +10414,9 @@
           <a:p>
             <a:pPr algn="ctr"/>
             <a:r>
-              <a:rPr lang="tr-TR" sz="1200" dirty="0" smtClean="0"/>
+              <a:rPr lang="tr-TR" sz="1200" dirty="0"/>
               <a:t>Predictions</a:t>
             </a:r>
-            <a:endParaRPr lang="tr-TR" sz="1200" dirty="0"/>
           </a:p>
         </p:txBody>
       </p:sp>
@@ -10583,35 +10607,12 @@
           <a:p>
             <a:pPr algn="ctr"/>
             <a:r>
-              <a:rPr lang="tr-TR" sz="1200" dirty="0" smtClean="0">
+              <a:rPr lang="tr-TR" sz="1200" dirty="0">
                 <a:solidFill>
                   <a:schemeClr val="tx1"/>
                 </a:solidFill>
               </a:rPr>
               <a:t>Turkish</a:t>
-            </a:r>
-            <a:br>
-              <a:rPr lang="tr-TR" sz="1200" dirty="0" smtClean="0">
-                <a:solidFill>
-                  <a:schemeClr val="tx1"/>
-                </a:solidFill>
-              </a:rPr>
-            </a:br>
-            <a:r>
-              <a:rPr lang="tr-TR" sz="1200" dirty="0" smtClean="0">
-                <a:solidFill>
-                  <a:schemeClr val="tx1"/>
-                </a:solidFill>
-              </a:rPr>
-              <a:t>Stem List</a:t>
-            </a:r>
-            <a:r>
-              <a:rPr lang="tr-TR" sz="1200" dirty="0">
-                <a:solidFill>
-                  <a:schemeClr val="tx1"/>
-                </a:solidFill>
-              </a:rPr>
-              <a:t/>
             </a:r>
             <a:br>
               <a:rPr lang="tr-TR" sz="1200" dirty="0">
@@ -10621,7 +10622,22 @@
               </a:rPr>
             </a:br>
             <a:r>
-              <a:rPr lang="tr-TR" sz="1200" dirty="0" smtClean="0">
+              <a:rPr lang="tr-TR" sz="1200" dirty="0">
+                <a:solidFill>
+                  <a:schemeClr val="tx1"/>
+                </a:solidFill>
+              </a:rPr>
+              <a:t>Stem List</a:t>
+            </a:r>
+            <a:br>
+              <a:rPr lang="tr-TR" sz="1200" dirty="0">
+                <a:solidFill>
+                  <a:schemeClr val="tx1"/>
+                </a:solidFill>
+              </a:rPr>
+            </a:br>
+            <a:r>
+              <a:rPr lang="tr-TR" sz="1200" dirty="0">
                 <a:solidFill>
                   <a:schemeClr val="tx1"/>
                 </a:solidFill>
@@ -10632,18 +10648,13 @@
           <a:p>
             <a:pPr algn="ctr"/>
             <a:r>
-              <a:rPr lang="tr-TR" sz="1200" dirty="0" smtClean="0">
+              <a:rPr lang="tr-TR" sz="1200" dirty="0">
                 <a:solidFill>
                   <a:schemeClr val="tx1"/>
                 </a:solidFill>
               </a:rPr>
               <a:t>(for application)</a:t>
             </a:r>
-            <a:endParaRPr lang="tr-TR" sz="1200" dirty="0">
-              <a:solidFill>
-                <a:schemeClr val="tx1"/>
-              </a:solidFill>
-            </a:endParaRPr>
           </a:p>
         </p:txBody>
       </p:sp>
@@ -10786,22 +10797,14 @@
           <a:lstStyle/>
           <a:p>
             <a:pPr algn="ctr"/>
-            <a:r>
-              <a:rPr lang="tr-TR" sz="1200" dirty="0" smtClean="0"/>
-              <a:t/>
-            </a:r>
-            <a:br>
-              <a:rPr lang="tr-TR" sz="1200" dirty="0" smtClean="0"/>
-            </a:br>
-            <a:r>
-              <a:rPr lang="tr-TR" sz="1200" dirty="0"/>
-              <a:t/>
-            </a:r>
             <a:br>
               <a:rPr lang="tr-TR" sz="1200" dirty="0"/>
             </a:br>
-            <a:r>
-              <a:rPr lang="tr-TR" sz="1200" dirty="0" smtClean="0"/>
+            <a:br>
+              <a:rPr lang="tr-TR" sz="1200" dirty="0"/>
+            </a:br>
+            <a:r>
+              <a:rPr lang="tr-TR" sz="1200" dirty="0"/>
               <a:t>X_train, y_train</a:t>
             </a:r>
           </a:p>
@@ -10939,10 +10942,9 @@
           <a:p>
             <a:pPr algn="ctr"/>
             <a:r>
-              <a:rPr lang="tr-TR" dirty="0" smtClean="0"/>
+              <a:rPr lang="tr-TR" dirty="0"/>
               <a:t>Evaluations (accuracy, confusion etc.)</a:t>
             </a:r>
-            <a:endParaRPr lang="tr-TR" dirty="0"/>
           </a:p>
         </p:txBody>
       </p:sp>
@@ -10987,13 +10989,8 @@
             <a:pPr algn="ctr"/>
             <a:r>
               <a:rPr lang="tr-TR" dirty="0"/>
-              <a:t>y</a:t>
-            </a:r>
-            <a:r>
-              <a:rPr lang="tr-TR" dirty="0" smtClean="0"/>
-              <a:t>_test</a:t>
-            </a:r>
-            <a:endParaRPr lang="tr-TR" dirty="0"/>
+              <a:t>y_test</a:t>
+            </a:r>
           </a:p>
         </p:txBody>
       </p:sp>
@@ -11107,7 +11104,7 @@
           <a:p>
             <a:pPr algn="ctr"/>
             <a:r>
-              <a:rPr lang="tr-TR" sz="1000" dirty="0" smtClean="0">
+              <a:rPr lang="tr-TR" sz="1000" dirty="0">
                 <a:ln w="0"/>
                 <a:effectLst>
                   <a:outerShdw blurRad="38100" dist="19050" dir="2700000" algn="tl" rotWithShape="0">
@@ -11396,7 +11393,7 @@
           <a:p>
             <a:pPr algn="ctr"/>
             <a:r>
-              <a:rPr lang="tr-TR" sz="1000" dirty="0" smtClean="0">
+              <a:rPr lang="tr-TR" sz="1000" dirty="0">
                 <a:ln w="0"/>
                 <a:effectLst>
                   <a:outerShdw blurRad="38100" dist="19050" dir="2700000" algn="tl" rotWithShape="0">
@@ -11412,19 +11409,6 @@
           <a:p>
             <a:pPr algn="ctr"/>
             <a:r>
-              <a:rPr lang="tr-TR" sz="1000" dirty="0" smtClean="0">
-                <a:ln w="0"/>
-                <a:effectLst>
-                  <a:outerShdw blurRad="38100" dist="19050" dir="2700000" algn="tl" rotWithShape="0">
-                    <a:schemeClr val="dk1">
-                      <a:alpha val="40000"/>
-                    </a:schemeClr>
-                  </a:outerShdw>
-                </a:effectLst>
-              </a:rPr>
-              <a:t> </a:t>
-            </a:r>
-            <a:r>
               <a:rPr lang="tr-TR" sz="1000" dirty="0">
                 <a:ln w="0"/>
                 <a:effectLst>
@@ -11435,7 +11419,7 @@
                   </a:outerShdw>
                 </a:effectLst>
               </a:rPr>
-              <a:t>Models_with_HyperParameters_Create.ipynb</a:t>
+              <a:t> Models_with_HyperParameters_Create.ipynb</a:t>
             </a:r>
             <a:endParaRPr lang="en-US" sz="1000" b="0" cap="none" spc="0" dirty="0">
               <a:ln w="0"/>
@@ -11470,7 +11454,7 @@
           <a:p>
             <a:fld id="{A0355CC0-2413-4ECB-8756-8763D22FD25B}" type="datetime1">
               <a:rPr lang="en-US" smtClean="0"/>
-              <a:t>9/22/2021</a:t>
+              <a:t>11/13/21</a:t>
             </a:fld>
             <a:endParaRPr lang="tr-TR"/>
           </a:p>
@@ -11492,10 +11476,9 @@
           <a:lstStyle/>
           <a:p>
             <a:r>
-              <a:rPr lang="tr-TR" dirty="0" smtClean="0"/>
+              <a:rPr lang="tr-TR" dirty="0"/>
               <a:t>EMREHAN</a:t>
             </a:r>
-            <a:endParaRPr lang="tr-TR" dirty="0"/>
           </a:p>
         </p:txBody>
       </p:sp>
@@ -11522,8 +11505,8 @@
           </a:p>
         </p:txBody>
       </p:sp>
-      <mc:AlternateContent xmlns:mc="http://schemas.openxmlformats.org/markup-compatibility/2006">
-        <mc:Choice xmlns:a14="http://schemas.microsoft.com/office/drawing/2010/main" Requires="a14">
+      <mc:AlternateContent xmlns:mc="http://schemas.openxmlformats.org/markup-compatibility/2006" xmlns:a14="http://schemas.microsoft.com/office/drawing/2010/main">
+        <mc:Choice Requires="a14">
           <p:sp>
             <p:nvSpPr>
               <p:cNvPr id="63" name="Rectangle 62"/>
@@ -11688,7 +11671,7 @@
             </p:txBody>
           </p:sp>
         </mc:Choice>
-        <mc:Fallback>
+        <mc:Fallback xmlns="">
           <p:sp>
             <p:nvSpPr>
               <p:cNvPr id="63" name="Rectangle 62"/>
@@ -11763,8 +11746,8 @@
           </a:fontRef>
         </p:style>
       </p:cxnSp>
-      <mc:AlternateContent xmlns:mc="http://schemas.openxmlformats.org/markup-compatibility/2006">
-        <mc:Choice xmlns:a14="http://schemas.microsoft.com/office/drawing/2010/main" Requires="a14">
+      <mc:AlternateContent xmlns:mc="http://schemas.openxmlformats.org/markup-compatibility/2006" xmlns:a14="http://schemas.microsoft.com/office/drawing/2010/main">
+        <mc:Choice Requires="a14">
           <p:sp>
             <p:nvSpPr>
               <p:cNvPr id="61" name="Rectangle 60"/>
@@ -11827,7 +11810,7 @@
             </p:txBody>
           </p:sp>
         </mc:Choice>
-        <mc:Fallback>
+        <mc:Fallback xmlns="">
           <p:sp>
             <p:nvSpPr>
               <p:cNvPr id="61" name="Rectangle 60"/>
@@ -11902,6 +11885,42 @@
           </a:fontRef>
         </p:style>
       </p:cxnSp>
+      <p:pic>
+        <p:nvPicPr>
+          <p:cNvPr id="65" name="Picture 64" descr="Logo&#10;&#10;Description automatically generated">
+            <a:extLst>
+              <a:ext uri="{FF2B5EF4-FFF2-40B4-BE49-F238E27FC236}">
+                <a16:creationId xmlns:a16="http://schemas.microsoft.com/office/drawing/2014/main" id="{D9CFAC1B-BB8E-3348-8A90-8B65CDD451B9}"/>
+              </a:ext>
+            </a:extLst>
+          </p:cNvPr>
+          <p:cNvPicPr>
+            <a:picLocks noChangeAspect="1"/>
+          </p:cNvPicPr>
+          <p:nvPr/>
+        </p:nvPicPr>
+        <p:blipFill>
+          <a:blip r:embed="rId16">
+            <a:extLst>
+              <a:ext uri="{28A0092B-C50C-407E-A947-70E740481C1C}">
+                <a14:useLocalDpi xmlns:a14="http://schemas.microsoft.com/office/drawing/2010/main" val="0"/>
+              </a:ext>
+            </a:extLst>
+          </a:blip>
+          <a:stretch>
+            <a:fillRect/>
+          </a:stretch>
+        </p:blipFill>
+        <p:spPr>
+          <a:xfrm>
+            <a:off x="11527971" y="6649297"/>
+            <a:ext cx="609599" cy="154273"/>
+          </a:xfrm>
+          <a:prstGeom prst="rect">
+            <a:avLst/>
+          </a:prstGeom>
+        </p:spPr>
+      </p:pic>
     </p:spTree>
     <p:extLst>
       <p:ext uri="{BB962C8B-B14F-4D97-AF65-F5344CB8AC3E}">
@@ -11912,13 +11931,6 @@
   <p:clrMapOvr>
     <a:masterClrMapping/>
   </p:clrMapOvr>
-  <p:timing>
-    <p:tnLst>
-      <p:par>
-        <p:cTn id="1" dur="indefinite" restart="never" nodeType="tmRoot"/>
-      </p:par>
-    </p:tnLst>
-  </p:timing>
 </p:sld>
 </file>
 
@@ -11977,7 +11989,7 @@
           <a:lstStyle/>
           <a:p>
             <a:r>
-              <a:rPr lang="tr-TR" dirty="0" smtClean="0"/>
+              <a:rPr lang="tr-TR" dirty="0"/>
               <a:t>Results</a:t>
             </a:r>
           </a:p>
@@ -12003,7 +12015,7 @@
           <a:p>
             <a:fld id="{B42B4FB0-0621-45E6-B97F-F77D45599D8C}" type="datetime1">
               <a:rPr lang="en-US" smtClean="0"/>
-              <a:t>9/22/2021</a:t>
+              <a:t>11/13/21</a:t>
             </a:fld>
             <a:endParaRPr lang="tr-TR"/>
           </a:p>
@@ -12025,10 +12037,9 @@
           <a:lstStyle/>
           <a:p>
             <a:r>
-              <a:rPr lang="tr-TR" smtClean="0"/>
+              <a:rPr lang="tr-TR"/>
               <a:t>EMREHAN</a:t>
             </a:r>
-            <a:endParaRPr lang="tr-TR"/>
           </a:p>
         </p:txBody>
       </p:sp>
@@ -12079,6 +12090,42 @@
           <a:xfrm>
             <a:off x="2308424" y="2509957"/>
             <a:ext cx="4903317" cy="3531405"/>
+          </a:xfrm>
+          <a:prstGeom prst="rect">
+            <a:avLst/>
+          </a:prstGeom>
+        </p:spPr>
+      </p:pic>
+      <p:pic>
+        <p:nvPicPr>
+          <p:cNvPr id="8" name="Picture 7" descr="Logo&#10;&#10;Description automatically generated">
+            <a:extLst>
+              <a:ext uri="{FF2B5EF4-FFF2-40B4-BE49-F238E27FC236}">
+                <a16:creationId xmlns:a16="http://schemas.microsoft.com/office/drawing/2014/main" id="{64F913C0-DB3B-3344-A492-4EFB634CFD22}"/>
+              </a:ext>
+            </a:extLst>
+          </p:cNvPr>
+          <p:cNvPicPr>
+            <a:picLocks noChangeAspect="1"/>
+          </p:cNvPicPr>
+          <p:nvPr/>
+        </p:nvPicPr>
+        <p:blipFill>
+          <a:blip r:embed="rId3">
+            <a:extLst>
+              <a:ext uri="{28A0092B-C50C-407E-A947-70E740481C1C}">
+                <a14:useLocalDpi xmlns:a14="http://schemas.microsoft.com/office/drawing/2010/main" val="0"/>
+              </a:ext>
+            </a:extLst>
+          </a:blip>
+          <a:stretch>
+            <a:fillRect/>
+          </a:stretch>
+        </p:blipFill>
+        <p:spPr>
+          <a:xfrm>
+            <a:off x="10622015" y="6420023"/>
+            <a:ext cx="1515555" cy="383547"/>
           </a:xfrm>
           <a:prstGeom prst="rect">
             <a:avLst/>
@@ -12183,7 +12230,7 @@
           <a:p>
             <a:fld id="{B42B4FB0-0621-45E6-B97F-F77D45599D8C}" type="datetime1">
               <a:rPr lang="en-US" smtClean="0"/>
-              <a:t>9/22/2021</a:t>
+              <a:t>11/13/21</a:t>
             </a:fld>
             <a:endParaRPr lang="tr-TR"/>
           </a:p>
@@ -12205,10 +12252,9 @@
           <a:lstStyle/>
           <a:p>
             <a:r>
-              <a:rPr lang="tr-TR" smtClean="0"/>
+              <a:rPr lang="tr-TR"/>
               <a:t>EMREHAN</a:t>
             </a:r>
-            <a:endParaRPr lang="tr-TR"/>
           </a:p>
         </p:txBody>
       </p:sp>
@@ -12235,6 +12281,42 @@
           </a:p>
         </p:txBody>
       </p:sp>
+      <p:pic>
+        <p:nvPicPr>
+          <p:cNvPr id="8" name="Picture 7" descr="Logo&#10;&#10;Description automatically generated">
+            <a:extLst>
+              <a:ext uri="{FF2B5EF4-FFF2-40B4-BE49-F238E27FC236}">
+                <a16:creationId xmlns:a16="http://schemas.microsoft.com/office/drawing/2014/main" id="{1020DEF5-669F-B944-80C0-42B6A6FF798D}"/>
+              </a:ext>
+            </a:extLst>
+          </p:cNvPr>
+          <p:cNvPicPr>
+            <a:picLocks noChangeAspect="1"/>
+          </p:cNvPicPr>
+          <p:nvPr/>
+        </p:nvPicPr>
+        <p:blipFill>
+          <a:blip r:embed="rId3">
+            <a:extLst>
+              <a:ext uri="{28A0092B-C50C-407E-A947-70E740481C1C}">
+                <a14:useLocalDpi xmlns:a14="http://schemas.microsoft.com/office/drawing/2010/main" val="0"/>
+              </a:ext>
+            </a:extLst>
+          </a:blip>
+          <a:stretch>
+            <a:fillRect/>
+          </a:stretch>
+        </p:blipFill>
+        <p:spPr>
+          <a:xfrm>
+            <a:off x="10622015" y="6420023"/>
+            <a:ext cx="1515555" cy="383547"/>
+          </a:xfrm>
+          <a:prstGeom prst="rect">
+            <a:avLst/>
+          </a:prstGeom>
+        </p:spPr>
+      </p:pic>
     </p:spTree>
     <p:extLst>
       <p:ext uri="{BB962C8B-B14F-4D97-AF65-F5344CB8AC3E}">
@@ -12333,7 +12415,7 @@
           <a:p>
             <a:fld id="{B42B4FB0-0621-45E6-B97F-F77D45599D8C}" type="datetime1">
               <a:rPr lang="en-US" smtClean="0"/>
-              <a:t>9/22/2021</a:t>
+              <a:t>11/13/21</a:t>
             </a:fld>
             <a:endParaRPr lang="tr-TR"/>
           </a:p>
@@ -12355,10 +12437,9 @@
           <a:lstStyle/>
           <a:p>
             <a:r>
-              <a:rPr lang="tr-TR" smtClean="0"/>
+              <a:rPr lang="tr-TR"/>
               <a:t>EMREHAN</a:t>
             </a:r>
-            <a:endParaRPr lang="tr-TR"/>
           </a:p>
         </p:txBody>
       </p:sp>
@@ -12385,6 +12466,42 @@
           </a:p>
         </p:txBody>
       </p:sp>
+      <p:pic>
+        <p:nvPicPr>
+          <p:cNvPr id="8" name="Picture 7" descr="Logo&#10;&#10;Description automatically generated">
+            <a:extLst>
+              <a:ext uri="{FF2B5EF4-FFF2-40B4-BE49-F238E27FC236}">
+                <a16:creationId xmlns:a16="http://schemas.microsoft.com/office/drawing/2014/main" id="{00AEEAFA-B2C6-4E4D-B585-522B23149F7F}"/>
+              </a:ext>
+            </a:extLst>
+          </p:cNvPr>
+          <p:cNvPicPr>
+            <a:picLocks noChangeAspect="1"/>
+          </p:cNvPicPr>
+          <p:nvPr/>
+        </p:nvPicPr>
+        <p:blipFill>
+          <a:blip r:embed="rId3">
+            <a:extLst>
+              <a:ext uri="{28A0092B-C50C-407E-A947-70E740481C1C}">
+                <a14:useLocalDpi xmlns:a14="http://schemas.microsoft.com/office/drawing/2010/main" val="0"/>
+              </a:ext>
+            </a:extLst>
+          </a:blip>
+          <a:stretch>
+            <a:fillRect/>
+          </a:stretch>
+        </p:blipFill>
+        <p:spPr>
+          <a:xfrm>
+            <a:off x="10622015" y="6420023"/>
+            <a:ext cx="1515555" cy="383547"/>
+          </a:xfrm>
+          <a:prstGeom prst="rect">
+            <a:avLst/>
+          </a:prstGeom>
+        </p:spPr>
+      </p:pic>
     </p:spTree>
     <p:extLst>
       <p:ext uri="{BB962C8B-B14F-4D97-AF65-F5344CB8AC3E}">
@@ -12483,7 +12600,7 @@
           <a:p>
             <a:fld id="{B42B4FB0-0621-45E6-B97F-F77D45599D8C}" type="datetime1">
               <a:rPr lang="en-US" smtClean="0"/>
-              <a:t>9/22/2021</a:t>
+              <a:t>11/13/21</a:t>
             </a:fld>
             <a:endParaRPr lang="tr-TR"/>
           </a:p>
@@ -12505,10 +12622,9 @@
           <a:lstStyle/>
           <a:p>
             <a:r>
-              <a:rPr lang="tr-TR" smtClean="0"/>
+              <a:rPr lang="tr-TR"/>
               <a:t>EMREHAN</a:t>
             </a:r>
-            <a:endParaRPr lang="tr-TR"/>
           </a:p>
         </p:txBody>
       </p:sp>
@@ -12535,6 +12651,42 @@
           </a:p>
         </p:txBody>
       </p:sp>
+      <p:pic>
+        <p:nvPicPr>
+          <p:cNvPr id="8" name="Picture 7" descr="Logo&#10;&#10;Description automatically generated">
+            <a:extLst>
+              <a:ext uri="{FF2B5EF4-FFF2-40B4-BE49-F238E27FC236}">
+                <a16:creationId xmlns:a16="http://schemas.microsoft.com/office/drawing/2014/main" id="{AB347EAE-4764-2C4C-94A9-8F362B8E15F4}"/>
+              </a:ext>
+            </a:extLst>
+          </p:cNvPr>
+          <p:cNvPicPr>
+            <a:picLocks noChangeAspect="1"/>
+          </p:cNvPicPr>
+          <p:nvPr/>
+        </p:nvPicPr>
+        <p:blipFill>
+          <a:blip r:embed="rId3">
+            <a:extLst>
+              <a:ext uri="{28A0092B-C50C-407E-A947-70E740481C1C}">
+                <a14:useLocalDpi xmlns:a14="http://schemas.microsoft.com/office/drawing/2010/main" val="0"/>
+              </a:ext>
+            </a:extLst>
+          </a:blip>
+          <a:stretch>
+            <a:fillRect/>
+          </a:stretch>
+        </p:blipFill>
+        <p:spPr>
+          <a:xfrm>
+            <a:off x="10622015" y="6420023"/>
+            <a:ext cx="1515555" cy="383547"/>
+          </a:xfrm>
+          <a:prstGeom prst="rect">
+            <a:avLst/>
+          </a:prstGeom>
+        </p:spPr>
+      </p:pic>
     </p:spTree>
     <p:extLst>
       <p:ext uri="{BB962C8B-B14F-4D97-AF65-F5344CB8AC3E}">
@@ -12633,7 +12785,7 @@
           <a:p>
             <a:fld id="{B42B4FB0-0621-45E6-B97F-F77D45599D8C}" type="datetime1">
               <a:rPr lang="en-US" smtClean="0"/>
-              <a:t>9/22/2021</a:t>
+              <a:t>11/13/21</a:t>
             </a:fld>
             <a:endParaRPr lang="tr-TR"/>
           </a:p>
@@ -12655,10 +12807,9 @@
           <a:lstStyle/>
           <a:p>
             <a:r>
-              <a:rPr lang="tr-TR" smtClean="0"/>
+              <a:rPr lang="tr-TR"/>
               <a:t>EMREHAN</a:t>
             </a:r>
-            <a:endParaRPr lang="tr-TR"/>
           </a:p>
         </p:txBody>
       </p:sp>
@@ -12685,6 +12836,42 @@
           </a:p>
         </p:txBody>
       </p:sp>
+      <p:pic>
+        <p:nvPicPr>
+          <p:cNvPr id="8" name="Picture 7" descr="Logo&#10;&#10;Description automatically generated">
+            <a:extLst>
+              <a:ext uri="{FF2B5EF4-FFF2-40B4-BE49-F238E27FC236}">
+                <a16:creationId xmlns:a16="http://schemas.microsoft.com/office/drawing/2014/main" id="{30AA17FF-CC61-5D4A-8968-96DFB03494EF}"/>
+              </a:ext>
+            </a:extLst>
+          </p:cNvPr>
+          <p:cNvPicPr>
+            <a:picLocks noChangeAspect="1"/>
+          </p:cNvPicPr>
+          <p:nvPr/>
+        </p:nvPicPr>
+        <p:blipFill>
+          <a:blip r:embed="rId3">
+            <a:extLst>
+              <a:ext uri="{28A0092B-C50C-407E-A947-70E740481C1C}">
+                <a14:useLocalDpi xmlns:a14="http://schemas.microsoft.com/office/drawing/2010/main" val="0"/>
+              </a:ext>
+            </a:extLst>
+          </a:blip>
+          <a:stretch>
+            <a:fillRect/>
+          </a:stretch>
+        </p:blipFill>
+        <p:spPr>
+          <a:xfrm>
+            <a:off x="10622015" y="6420023"/>
+            <a:ext cx="1515555" cy="383547"/>
+          </a:xfrm>
+          <a:prstGeom prst="rect">
+            <a:avLst/>
+          </a:prstGeom>
+        </p:spPr>
+      </p:pic>
     </p:spTree>
     <p:extLst>
       <p:ext uri="{BB962C8B-B14F-4D97-AF65-F5344CB8AC3E}">
@@ -12755,13 +12942,13 @@
               <a:lstStyle/>
               <a:p>
                 <a:r>
-                  <a:rPr lang="tr-TR" dirty="0" smtClean="0"/>
+                  <a:rPr lang="tr-TR" dirty="0"/>
                   <a:t>Conclusion:</a:t>
                 </a:r>
               </a:p>
               <a:p>
                 <a:r>
-                  <a:rPr lang="tr-TR" dirty="0" smtClean="0"/>
+                  <a:rPr lang="tr-TR" dirty="0"/>
                   <a:t>1) When </a:t>
                 </a:r>
                 <a14:m>
@@ -12846,21 +13033,13 @@
                   </m:oMath>
                 </a14:m>
                 <a:r>
-                  <a:rPr lang="tr-TR" dirty="0" smtClean="0"/>
-                  <a:t>, model produces only «DÜNYA» label, </a:t>
-                </a:r>
-                <a:r>
                   <a:rPr lang="tr-TR" dirty="0"/>
-                  <a:t>then specificity </a:t>
-                </a:r>
-                <a:r>
-                  <a:rPr lang="tr-TR" dirty="0" smtClean="0"/>
-                  <a:t>fails. In other saying, predictions of other categories in test set become «DÜNYA»  </a:t>
+                  <a:t>, model produces only «DÜNYA» label, then specificity fails. In other saying, predictions of other categories in test set become «DÜNYA»  </a:t>
                 </a:r>
               </a:p>
               <a:p>
                 <a:r>
-                  <a:rPr lang="tr-TR" dirty="0" smtClean="0"/>
+                  <a:rPr lang="tr-TR" dirty="0"/>
                   <a:t>2) Generally, performance of model based trigonometric functions falls behind that of model based uniform distribution in almost all categories. Only at prediction of documents labelled «Teknoloji», performance of trigonometric approach is a notch better than uniform approach.</a:t>
                 </a:r>
               </a:p>
@@ -12868,7 +13047,7 @@
                 <a:pPr marL="0" indent="0">
                   <a:buNone/>
                 </a:pPr>
-                <a:endParaRPr lang="tr-TR" dirty="0" smtClean="0"/>
+                <a:endParaRPr lang="tr-TR" dirty="0"/>
               </a:p>
               <a:p>
                 <a:endParaRPr lang="tr-TR" dirty="0"/>
@@ -12927,7 +13106,7 @@
           <a:p>
             <a:fld id="{B42B4FB0-0621-45E6-B97F-F77D45599D8C}" type="datetime1">
               <a:rPr lang="en-US" smtClean="0"/>
-              <a:t>9/22/2021</a:t>
+              <a:t>11/13/21</a:t>
             </a:fld>
             <a:endParaRPr lang="tr-TR"/>
           </a:p>
@@ -12949,10 +13128,9 @@
           <a:lstStyle/>
           <a:p>
             <a:r>
-              <a:rPr lang="tr-TR" smtClean="0"/>
+              <a:rPr lang="tr-TR"/>
               <a:t>EMREHAN</a:t>
             </a:r>
-            <a:endParaRPr lang="tr-TR"/>
           </a:p>
         </p:txBody>
       </p:sp>
@@ -12979,6 +13157,42 @@
           </a:p>
         </p:txBody>
       </p:sp>
+      <p:pic>
+        <p:nvPicPr>
+          <p:cNvPr id="7" name="Picture 6" descr="Logo&#10;&#10;Description automatically generated">
+            <a:extLst>
+              <a:ext uri="{FF2B5EF4-FFF2-40B4-BE49-F238E27FC236}">
+                <a16:creationId xmlns:a16="http://schemas.microsoft.com/office/drawing/2014/main" id="{F715838F-9BA4-0B44-89B2-2D1A783F2FC3}"/>
+              </a:ext>
+            </a:extLst>
+          </p:cNvPr>
+          <p:cNvPicPr>
+            <a:picLocks noChangeAspect="1"/>
+          </p:cNvPicPr>
+          <p:nvPr/>
+        </p:nvPicPr>
+        <p:blipFill>
+          <a:blip r:embed="rId3">
+            <a:extLst>
+              <a:ext uri="{28A0092B-C50C-407E-A947-70E740481C1C}">
+                <a14:useLocalDpi xmlns:a14="http://schemas.microsoft.com/office/drawing/2010/main" val="0"/>
+              </a:ext>
+            </a:extLst>
+          </a:blip>
+          <a:stretch>
+            <a:fillRect/>
+          </a:stretch>
+        </p:blipFill>
+        <p:spPr>
+          <a:xfrm>
+            <a:off x="10622015" y="6420023"/>
+            <a:ext cx="1515555" cy="383547"/>
+          </a:xfrm>
+          <a:prstGeom prst="rect">
+            <a:avLst/>
+          </a:prstGeom>
+        </p:spPr>
+      </p:pic>
     </p:spTree>
     <p:extLst>
       <p:ext uri="{BB962C8B-B14F-4D97-AF65-F5344CB8AC3E}">
@@ -13026,10 +13240,9 @@
           <a:p>
             <a:pPr algn="ctr"/>
             <a:r>
-              <a:rPr lang="tr-TR" dirty="0" smtClean="0"/>
+              <a:rPr lang="tr-TR" dirty="0"/>
               <a:t>THE END</a:t>
             </a:r>
-            <a:endParaRPr lang="tr-TR" dirty="0"/>
           </a:p>
         </p:txBody>
       </p:sp>
@@ -13069,7 +13282,7 @@
           <a:p>
             <a:fld id="{B42B4FB0-0621-45E6-B97F-F77D45599D8C}" type="datetime1">
               <a:rPr lang="en-US" smtClean="0"/>
-              <a:t>9/22/2021</a:t>
+              <a:t>11/13/21</a:t>
             </a:fld>
             <a:endParaRPr lang="tr-TR"/>
           </a:p>
@@ -13091,10 +13304,9 @@
           <a:lstStyle/>
           <a:p>
             <a:r>
-              <a:rPr lang="tr-TR" smtClean="0"/>
+              <a:rPr lang="tr-TR"/>
               <a:t>EMREHAN</a:t>
             </a:r>
-            <a:endParaRPr lang="tr-TR"/>
           </a:p>
         </p:txBody>
       </p:sp>
@@ -13121,6 +13333,42 @@
           </a:p>
         </p:txBody>
       </p:sp>
+      <p:pic>
+        <p:nvPicPr>
+          <p:cNvPr id="7" name="Picture 6" descr="Logo&#10;&#10;Description automatically generated">
+            <a:extLst>
+              <a:ext uri="{FF2B5EF4-FFF2-40B4-BE49-F238E27FC236}">
+                <a16:creationId xmlns:a16="http://schemas.microsoft.com/office/drawing/2014/main" id="{6A77C06A-DCF8-0241-B6C2-F4980D1F5A7C}"/>
+              </a:ext>
+            </a:extLst>
+          </p:cNvPr>
+          <p:cNvPicPr>
+            <a:picLocks noChangeAspect="1"/>
+          </p:cNvPicPr>
+          <p:nvPr/>
+        </p:nvPicPr>
+        <p:blipFill>
+          <a:blip r:embed="rId2">
+            <a:extLst>
+              <a:ext uri="{28A0092B-C50C-407E-A947-70E740481C1C}">
+                <a14:useLocalDpi xmlns:a14="http://schemas.microsoft.com/office/drawing/2010/main" val="0"/>
+              </a:ext>
+            </a:extLst>
+          </a:blip>
+          <a:stretch>
+            <a:fillRect/>
+          </a:stretch>
+        </p:blipFill>
+        <p:spPr>
+          <a:xfrm>
+            <a:off x="10622015" y="6420023"/>
+            <a:ext cx="1515555" cy="383547"/>
+          </a:xfrm>
+          <a:prstGeom prst="rect">
+            <a:avLst/>
+          </a:prstGeom>
+        </p:spPr>
+      </p:pic>
     </p:spTree>
     <p:extLst>
       <p:ext uri="{BB962C8B-B14F-4D97-AF65-F5344CB8AC3E}">
@@ -13170,20 +13418,12 @@
               <a:rPr lang="tr-TR" dirty="0"/>
               <a:t>PREDICTION MODELS </a:t>
             </a:r>
-            <a:r>
-              <a:rPr lang="tr-TR" dirty="0" smtClean="0"/>
-              <a:t/>
-            </a:r>
             <a:br>
-              <a:rPr lang="tr-TR" dirty="0" smtClean="0"/>
+              <a:rPr lang="tr-TR" dirty="0"/>
             </a:br>
             <a:r>
-              <a:rPr lang="tr-TR" dirty="0" smtClean="0"/>
-              <a:t>BASED </a:t>
-            </a:r>
-            <a:r>
               <a:rPr lang="tr-TR" dirty="0"/>
-              <a:t>ON MAX-STEMS</a:t>
+              <a:t>BASED ON MAX-STEMS</a:t>
             </a:r>
           </a:p>
         </p:txBody>
@@ -13204,28 +13444,27 @@
           <a:lstStyle/>
           <a:p>
             <a:r>
-              <a:rPr lang="tr-TR" dirty="0" smtClean="0"/>
+              <a:rPr lang="tr-TR" dirty="0"/>
               <a:t>Episode One: One-Word Based</a:t>
             </a:r>
           </a:p>
           <a:p>
             <a:r>
-              <a:rPr lang="tr-TR" dirty="0" smtClean="0"/>
+              <a:rPr lang="tr-TR" dirty="0"/>
               <a:t>Episode Two: A Combinatorial Approach</a:t>
             </a:r>
           </a:p>
           <a:p>
             <a:r>
-              <a:rPr lang="tr-TR" dirty="0" smtClean="0"/>
+              <a:rPr lang="tr-TR" dirty="0"/>
               <a:t>Episode Three: Effect of Hyperparameters</a:t>
             </a:r>
           </a:p>
           <a:p>
             <a:r>
-              <a:rPr lang="tr-TR" dirty="0" smtClean="0"/>
+              <a:rPr lang="tr-TR" dirty="0"/>
               <a:t>Episode Four: Advanced Examinations</a:t>
             </a:r>
-            <a:endParaRPr lang="tr-TR" dirty="0"/>
           </a:p>
         </p:txBody>
       </p:sp>
@@ -13246,7 +13485,7 @@
           <a:p>
             <a:fld id="{3D18DA87-FF4F-4A3F-9765-6666B7DB4AFD}" type="datetime1">
               <a:rPr lang="en-US" smtClean="0"/>
-              <a:t>9/22/2021</a:t>
+              <a:t>11/13/21</a:t>
             </a:fld>
             <a:endParaRPr lang="tr-TR"/>
           </a:p>
@@ -13268,10 +13507,9 @@
           <a:lstStyle/>
           <a:p>
             <a:r>
-              <a:rPr lang="tr-TR" smtClean="0"/>
+              <a:rPr lang="tr-TR"/>
               <a:t>EMREHAN</a:t>
             </a:r>
-            <a:endParaRPr lang="tr-TR"/>
           </a:p>
         </p:txBody>
       </p:sp>
@@ -13298,6 +13536,42 @@
           </a:p>
         </p:txBody>
       </p:sp>
+      <p:pic>
+        <p:nvPicPr>
+          <p:cNvPr id="7" name="Picture 6" descr="Logo&#10;&#10;Description automatically generated">
+            <a:extLst>
+              <a:ext uri="{FF2B5EF4-FFF2-40B4-BE49-F238E27FC236}">
+                <a16:creationId xmlns:a16="http://schemas.microsoft.com/office/drawing/2014/main" id="{76288AA9-77EF-654A-A610-919D37794037}"/>
+              </a:ext>
+            </a:extLst>
+          </p:cNvPr>
+          <p:cNvPicPr>
+            <a:picLocks noChangeAspect="1"/>
+          </p:cNvPicPr>
+          <p:nvPr/>
+        </p:nvPicPr>
+        <p:blipFill>
+          <a:blip r:embed="rId2">
+            <a:extLst>
+              <a:ext uri="{28A0092B-C50C-407E-A947-70E740481C1C}">
+                <a14:useLocalDpi xmlns:a14="http://schemas.microsoft.com/office/drawing/2010/main" val="0"/>
+              </a:ext>
+            </a:extLst>
+          </a:blip>
+          <a:stretch>
+            <a:fillRect/>
+          </a:stretch>
+        </p:blipFill>
+        <p:spPr>
+          <a:xfrm>
+            <a:off x="10622015" y="6420023"/>
+            <a:ext cx="1515555" cy="383547"/>
+          </a:xfrm>
+          <a:prstGeom prst="rect">
+            <a:avLst/>
+          </a:prstGeom>
+        </p:spPr>
+      </p:pic>
     </p:spTree>
     <p:extLst>
       <p:ext uri="{BB962C8B-B14F-4D97-AF65-F5344CB8AC3E}">
@@ -13308,13 +13582,6 @@
   <p:clrMapOvr>
     <a:masterClrMapping/>
   </p:clrMapOvr>
-  <p:timing>
-    <p:tnLst>
-      <p:par>
-        <p:cTn id="1" dur="indefinite" restart="never" nodeType="tmRoot"/>
-      </p:par>
-    </p:tnLst>
-  </p:timing>
 </p:sld>
 </file>
 
@@ -13351,10 +13618,9 @@
           <a:lstStyle/>
           <a:p>
             <a:r>
-              <a:rPr lang="tr-TR" dirty="0" smtClean="0"/>
+              <a:rPr lang="tr-TR" dirty="0"/>
               <a:t>INTRODUCTION</a:t>
             </a:r>
-            <a:endParaRPr lang="tr-TR" dirty="0"/>
           </a:p>
         </p:txBody>
       </p:sp>
@@ -13375,37 +13641,29 @@
           <a:p>
             <a:pPr algn="just"/>
             <a:r>
-              <a:rPr lang="tr-TR" dirty="0" smtClean="0"/>
+              <a:rPr lang="tr-TR" dirty="0"/>
               <a:t>In this chapter, I examine some cases:</a:t>
             </a:r>
           </a:p>
           <a:p>
             <a:pPr algn="just"/>
             <a:r>
-              <a:rPr lang="tr-TR" dirty="0" smtClean="0"/>
+              <a:rPr lang="tr-TR" dirty="0"/>
               <a:t>A) How do Accuracy Rates of Categories change, if the sample is changed ?</a:t>
             </a:r>
           </a:p>
           <a:p>
             <a:pPr algn="just"/>
             <a:r>
-              <a:rPr lang="tr-TR" dirty="0" smtClean="0"/>
+              <a:rPr lang="tr-TR" dirty="0"/>
               <a:t>B) Let’s compare all methods for each category</a:t>
             </a:r>
           </a:p>
           <a:p>
             <a:pPr algn="just"/>
             <a:r>
-              <a:rPr lang="tr-TR" dirty="0" smtClean="0"/>
-              <a:t>C) Can a Trigonometric Approach contribute </a:t>
-            </a:r>
-            <a:r>
               <a:rPr lang="tr-TR" dirty="0"/>
-              <a:t>to hyperparametic model </a:t>
-            </a:r>
-            <a:r>
-              <a:rPr lang="tr-TR" dirty="0" smtClean="0"/>
-              <a:t>?</a:t>
+              <a:t>C) Can a Trigonometric Approach contribute to hyperparametic model ?</a:t>
             </a:r>
           </a:p>
           <a:p>
@@ -13431,7 +13689,7 @@
           <a:p>
             <a:fld id="{061B5296-6EB9-4CAA-A3E7-7F80FCD7037D}" type="datetime1">
               <a:rPr lang="en-US" smtClean="0"/>
-              <a:t>9/22/2021</a:t>
+              <a:t>11/13/21</a:t>
             </a:fld>
             <a:endParaRPr lang="tr-TR"/>
           </a:p>
@@ -13453,10 +13711,9 @@
           <a:lstStyle/>
           <a:p>
             <a:r>
-              <a:rPr lang="tr-TR" smtClean="0"/>
+              <a:rPr lang="tr-TR"/>
               <a:t>EMREHAN</a:t>
             </a:r>
-            <a:endParaRPr lang="tr-TR"/>
           </a:p>
         </p:txBody>
       </p:sp>
@@ -13483,6 +13740,42 @@
           </a:p>
         </p:txBody>
       </p:sp>
+      <p:pic>
+        <p:nvPicPr>
+          <p:cNvPr id="7" name="Picture 6" descr="Logo&#10;&#10;Description automatically generated">
+            <a:extLst>
+              <a:ext uri="{FF2B5EF4-FFF2-40B4-BE49-F238E27FC236}">
+                <a16:creationId xmlns:a16="http://schemas.microsoft.com/office/drawing/2014/main" id="{0407B3AE-F95C-CA4A-B4BB-40111EB22B8E}"/>
+              </a:ext>
+            </a:extLst>
+          </p:cNvPr>
+          <p:cNvPicPr>
+            <a:picLocks noChangeAspect="1"/>
+          </p:cNvPicPr>
+          <p:nvPr/>
+        </p:nvPicPr>
+        <p:blipFill>
+          <a:blip r:embed="rId2">
+            <a:extLst>
+              <a:ext uri="{28A0092B-C50C-407E-A947-70E740481C1C}">
+                <a14:useLocalDpi xmlns:a14="http://schemas.microsoft.com/office/drawing/2010/main" val="0"/>
+              </a:ext>
+            </a:extLst>
+          </a:blip>
+          <a:stretch>
+            <a:fillRect/>
+          </a:stretch>
+        </p:blipFill>
+        <p:spPr>
+          <a:xfrm>
+            <a:off x="10622015" y="6420023"/>
+            <a:ext cx="1515555" cy="383547"/>
+          </a:xfrm>
+          <a:prstGeom prst="rect">
+            <a:avLst/>
+          </a:prstGeom>
+        </p:spPr>
+      </p:pic>
     </p:spTree>
     <p:extLst>
       <p:ext uri="{BB962C8B-B14F-4D97-AF65-F5344CB8AC3E}">
@@ -13532,22 +13825,14 @@
           <a:p>
             <a:r>
               <a:rPr lang="tr-TR" dirty="0"/>
-              <a:t>A) How do Accuracy Rates of Categories change, if the sample is changed </a:t>
-            </a:r>
-            <a:r>
-              <a:rPr lang="tr-TR" dirty="0" smtClean="0"/>
-              <a:t>? </a:t>
+              <a:t>A) How do Accuracy Rates of Categories change, if the sample is changed ? </a:t>
             </a:r>
             <a:br>
-              <a:rPr lang="tr-TR" dirty="0" smtClean="0"/>
+              <a:rPr lang="tr-TR" dirty="0"/>
             </a:br>
             <a:r>
-              <a:rPr lang="tr-TR" sz="2000" dirty="0" smtClean="0"/>
+              <a:rPr lang="tr-TR" sz="2000" dirty="0"/>
               <a:t>(Based on Predict Model 1 (On Word))</a:t>
-            </a:r>
-            <a:r>
-              <a:rPr lang="tr-TR" dirty="0"/>
-              <a:t/>
             </a:r>
             <a:br>
               <a:rPr lang="tr-TR" dirty="0"/>
@@ -14733,7 +15018,7 @@
                     <a:p>
                       <a:pPr algn="r" fontAlgn="b"/>
                       <a:r>
-                        <a:rPr lang="tr-TR" sz="1100" u="none" strike="noStrike" dirty="0" smtClean="0">
+                        <a:rPr lang="tr-TR" sz="1100" u="none" strike="noStrike" dirty="0">
                           <a:effectLst/>
                         </a:rPr>
                         <a:t>0.010</a:t>
@@ -14862,7 +15147,7 @@
                     <a:p>
                       <a:pPr algn="r" fontAlgn="b"/>
                       <a:r>
-                        <a:rPr lang="tr-TR" sz="1100" u="none" strike="noStrike" dirty="0" smtClean="0">
+                        <a:rPr lang="tr-TR" sz="1100" u="none" strike="noStrike" dirty="0">
                           <a:effectLst/>
                         </a:rPr>
                         <a:t>0.010</a:t>
@@ -15120,7 +15405,7 @@
                     <a:p>
                       <a:pPr algn="r" fontAlgn="b"/>
                       <a:r>
-                        <a:rPr lang="tr-TR" sz="1100" u="none" strike="noStrike" dirty="0" smtClean="0">
+                        <a:rPr lang="tr-TR" sz="1100" u="none" strike="noStrike" dirty="0">
                           <a:effectLst/>
                         </a:rPr>
                         <a:t>0.010</a:t>
@@ -15163,7 +15448,7 @@
           <a:p>
             <a:fld id="{B42B4FB0-0621-45E6-B97F-F77D45599D8C}" type="datetime1">
               <a:rPr lang="en-US" smtClean="0"/>
-              <a:t>9/22/2021</a:t>
+              <a:t>11/13/21</a:t>
             </a:fld>
             <a:endParaRPr lang="tr-TR"/>
           </a:p>
@@ -15185,10 +15470,9 @@
           <a:lstStyle/>
           <a:p>
             <a:r>
-              <a:rPr lang="tr-TR" dirty="0" smtClean="0"/>
+              <a:rPr lang="tr-TR" dirty="0"/>
               <a:t>EMREHAN</a:t>
             </a:r>
-            <a:endParaRPr lang="tr-TR" dirty="0"/>
           </a:p>
         </p:txBody>
       </p:sp>
@@ -15238,19 +15522,54 @@
           <a:lstStyle/>
           <a:p>
             <a:r>
-              <a:rPr lang="tr-TR" dirty="0" smtClean="0"/>
+              <a:rPr lang="tr-TR" dirty="0"/>
               <a:t>Result: Stable against samples</a:t>
             </a:r>
           </a:p>
           <a:p>
             <a:r>
-              <a:rPr lang="tr-TR" dirty="0" smtClean="0"/>
+              <a:rPr lang="tr-TR" dirty="0"/>
               <a:t>Note: Naturally Samples insersect wit each other  at %80 level. </a:t>
             </a:r>
-            <a:endParaRPr lang="tr-TR" dirty="0"/>
-          </a:p>
-        </p:txBody>
-      </p:sp>
+          </a:p>
+        </p:txBody>
+      </p:sp>
+      <p:pic>
+        <p:nvPicPr>
+          <p:cNvPr id="10" name="Picture 9" descr="Logo&#10;&#10;Description automatically generated">
+            <a:extLst>
+              <a:ext uri="{FF2B5EF4-FFF2-40B4-BE49-F238E27FC236}">
+                <a16:creationId xmlns:a16="http://schemas.microsoft.com/office/drawing/2014/main" id="{7A1CE64F-8D92-A240-8D66-97C2CEB95235}"/>
+              </a:ext>
+            </a:extLst>
+          </p:cNvPr>
+          <p:cNvPicPr>
+            <a:picLocks noChangeAspect="1"/>
+          </p:cNvPicPr>
+          <p:nvPr/>
+        </p:nvPicPr>
+        <p:blipFill>
+          <a:blip r:embed="rId2">
+            <a:extLst>
+              <a:ext uri="{28A0092B-C50C-407E-A947-70E740481C1C}">
+                <a14:useLocalDpi xmlns:a14="http://schemas.microsoft.com/office/drawing/2010/main" val="0"/>
+              </a:ext>
+            </a:extLst>
+          </a:blip>
+          <a:stretch>
+            <a:fillRect/>
+          </a:stretch>
+        </p:blipFill>
+        <p:spPr>
+          <a:xfrm>
+            <a:off x="10622015" y="6420023"/>
+            <a:ext cx="1515555" cy="383547"/>
+          </a:xfrm>
+          <a:prstGeom prst="rect">
+            <a:avLst/>
+          </a:prstGeom>
+        </p:spPr>
+      </p:pic>
     </p:spTree>
     <p:extLst>
       <p:ext uri="{BB962C8B-B14F-4D97-AF65-F5344CB8AC3E}">
@@ -15355,7 +15674,7 @@
           <a:p>
             <a:fld id="{B42B4FB0-0621-45E6-B97F-F77D45599D8C}" type="datetime1">
               <a:rPr lang="en-US" smtClean="0"/>
-              <a:t>9/22/2021</a:t>
+              <a:t>11/13/21</a:t>
             </a:fld>
             <a:endParaRPr lang="tr-TR"/>
           </a:p>
@@ -15377,10 +15696,9 @@
           <a:lstStyle/>
           <a:p>
             <a:r>
-              <a:rPr lang="tr-TR" dirty="0" smtClean="0"/>
+              <a:rPr lang="tr-TR" dirty="0"/>
               <a:t>EMREHAN</a:t>
             </a:r>
-            <a:endParaRPr lang="tr-TR" dirty="0"/>
           </a:p>
         </p:txBody>
       </p:sp>
@@ -15407,6 +15725,42 @@
           </a:p>
         </p:txBody>
       </p:sp>
+      <p:pic>
+        <p:nvPicPr>
+          <p:cNvPr id="7" name="Picture 6" descr="Logo&#10;&#10;Description automatically generated">
+            <a:extLst>
+              <a:ext uri="{FF2B5EF4-FFF2-40B4-BE49-F238E27FC236}">
+                <a16:creationId xmlns:a16="http://schemas.microsoft.com/office/drawing/2014/main" id="{1B2F6755-3F74-8D43-B947-2502ED68825D}"/>
+              </a:ext>
+            </a:extLst>
+          </p:cNvPr>
+          <p:cNvPicPr>
+            <a:picLocks noChangeAspect="1"/>
+          </p:cNvPicPr>
+          <p:nvPr/>
+        </p:nvPicPr>
+        <p:blipFill>
+          <a:blip r:embed="rId3">
+            <a:extLst>
+              <a:ext uri="{28A0092B-C50C-407E-A947-70E740481C1C}">
+                <a14:useLocalDpi xmlns:a14="http://schemas.microsoft.com/office/drawing/2010/main" val="0"/>
+              </a:ext>
+            </a:extLst>
+          </a:blip>
+          <a:stretch>
+            <a:fillRect/>
+          </a:stretch>
+        </p:blipFill>
+        <p:spPr>
+          <a:xfrm>
+            <a:off x="10622015" y="6420023"/>
+            <a:ext cx="1515555" cy="383547"/>
+          </a:xfrm>
+          <a:prstGeom prst="rect">
+            <a:avLst/>
+          </a:prstGeom>
+        </p:spPr>
+      </p:pic>
     </p:spTree>
     <p:extLst>
       <p:ext uri="{BB962C8B-B14F-4D97-AF65-F5344CB8AC3E}">
@@ -15505,7 +15859,7 @@
           <a:p>
             <a:fld id="{B42B4FB0-0621-45E6-B97F-F77D45599D8C}" type="datetime1">
               <a:rPr lang="en-US" smtClean="0"/>
-              <a:t>9/22/2021</a:t>
+              <a:t>11/13/21</a:t>
             </a:fld>
             <a:endParaRPr lang="tr-TR"/>
           </a:p>
@@ -15527,10 +15881,9 @@
           <a:lstStyle/>
           <a:p>
             <a:r>
-              <a:rPr lang="tr-TR" smtClean="0"/>
+              <a:rPr lang="tr-TR"/>
               <a:t>EMREHAN</a:t>
             </a:r>
-            <a:endParaRPr lang="tr-TR"/>
           </a:p>
         </p:txBody>
       </p:sp>
@@ -15557,6 +15910,42 @@
           </a:p>
         </p:txBody>
       </p:sp>
+      <p:pic>
+        <p:nvPicPr>
+          <p:cNvPr id="8" name="Picture 7" descr="Logo&#10;&#10;Description automatically generated">
+            <a:extLst>
+              <a:ext uri="{FF2B5EF4-FFF2-40B4-BE49-F238E27FC236}">
+                <a16:creationId xmlns:a16="http://schemas.microsoft.com/office/drawing/2014/main" id="{EB5C28BC-CE1D-9F42-BE9C-57C9A087DFEF}"/>
+              </a:ext>
+            </a:extLst>
+          </p:cNvPr>
+          <p:cNvPicPr>
+            <a:picLocks noChangeAspect="1"/>
+          </p:cNvPicPr>
+          <p:nvPr/>
+        </p:nvPicPr>
+        <p:blipFill>
+          <a:blip r:embed="rId3">
+            <a:extLst>
+              <a:ext uri="{28A0092B-C50C-407E-A947-70E740481C1C}">
+                <a14:useLocalDpi xmlns:a14="http://schemas.microsoft.com/office/drawing/2010/main" val="0"/>
+              </a:ext>
+            </a:extLst>
+          </a:blip>
+          <a:stretch>
+            <a:fillRect/>
+          </a:stretch>
+        </p:blipFill>
+        <p:spPr>
+          <a:xfrm>
+            <a:off x="10622015" y="6420023"/>
+            <a:ext cx="1515555" cy="383547"/>
+          </a:xfrm>
+          <a:prstGeom prst="rect">
+            <a:avLst/>
+          </a:prstGeom>
+        </p:spPr>
+      </p:pic>
     </p:spTree>
     <p:extLst>
       <p:ext uri="{BB962C8B-B14F-4D97-AF65-F5344CB8AC3E}">
@@ -15655,7 +16044,7 @@
           <a:p>
             <a:fld id="{B42B4FB0-0621-45E6-B97F-F77D45599D8C}" type="datetime1">
               <a:rPr lang="en-US" smtClean="0"/>
-              <a:t>9/22/2021</a:t>
+              <a:t>11/13/21</a:t>
             </a:fld>
             <a:endParaRPr lang="tr-TR"/>
           </a:p>
@@ -15677,10 +16066,9 @@
           <a:lstStyle/>
           <a:p>
             <a:r>
-              <a:rPr lang="tr-TR" smtClean="0"/>
+              <a:rPr lang="tr-TR"/>
               <a:t>EMREHAN</a:t>
             </a:r>
-            <a:endParaRPr lang="tr-TR"/>
           </a:p>
         </p:txBody>
       </p:sp>
@@ -15707,6 +16095,42 @@
           </a:p>
         </p:txBody>
       </p:sp>
+      <p:pic>
+        <p:nvPicPr>
+          <p:cNvPr id="8" name="Picture 7" descr="Logo&#10;&#10;Description automatically generated">
+            <a:extLst>
+              <a:ext uri="{FF2B5EF4-FFF2-40B4-BE49-F238E27FC236}">
+                <a16:creationId xmlns:a16="http://schemas.microsoft.com/office/drawing/2014/main" id="{C2BB8501-06F8-8041-833C-E89D493520C3}"/>
+              </a:ext>
+            </a:extLst>
+          </p:cNvPr>
+          <p:cNvPicPr>
+            <a:picLocks noChangeAspect="1"/>
+          </p:cNvPicPr>
+          <p:nvPr/>
+        </p:nvPicPr>
+        <p:blipFill>
+          <a:blip r:embed="rId3">
+            <a:extLst>
+              <a:ext uri="{28A0092B-C50C-407E-A947-70E740481C1C}">
+                <a14:useLocalDpi xmlns:a14="http://schemas.microsoft.com/office/drawing/2010/main" val="0"/>
+              </a:ext>
+            </a:extLst>
+          </a:blip>
+          <a:stretch>
+            <a:fillRect/>
+          </a:stretch>
+        </p:blipFill>
+        <p:spPr>
+          <a:xfrm>
+            <a:off x="10622015" y="6420023"/>
+            <a:ext cx="1515555" cy="383547"/>
+          </a:xfrm>
+          <a:prstGeom prst="rect">
+            <a:avLst/>
+          </a:prstGeom>
+        </p:spPr>
+      </p:pic>
     </p:spTree>
     <p:extLst>
       <p:ext uri="{BB962C8B-B14F-4D97-AF65-F5344CB8AC3E}">
@@ -15805,7 +16229,7 @@
           <a:p>
             <a:fld id="{B42B4FB0-0621-45E6-B97F-F77D45599D8C}" type="datetime1">
               <a:rPr lang="en-US" smtClean="0"/>
-              <a:t>9/22/2021</a:t>
+              <a:t>11/13/21</a:t>
             </a:fld>
             <a:endParaRPr lang="tr-TR"/>
           </a:p>
@@ -15827,10 +16251,9 @@
           <a:lstStyle/>
           <a:p>
             <a:r>
-              <a:rPr lang="tr-TR" smtClean="0"/>
+              <a:rPr lang="tr-TR"/>
               <a:t>EMREHAN</a:t>
             </a:r>
-            <a:endParaRPr lang="tr-TR"/>
           </a:p>
         </p:txBody>
       </p:sp>
@@ -15857,6 +16280,42 @@
           </a:p>
         </p:txBody>
       </p:sp>
+      <p:pic>
+        <p:nvPicPr>
+          <p:cNvPr id="8" name="Picture 7" descr="Logo&#10;&#10;Description automatically generated">
+            <a:extLst>
+              <a:ext uri="{FF2B5EF4-FFF2-40B4-BE49-F238E27FC236}">
+                <a16:creationId xmlns:a16="http://schemas.microsoft.com/office/drawing/2014/main" id="{FEEADF77-AAEB-254D-A0B8-B079751BC081}"/>
+              </a:ext>
+            </a:extLst>
+          </p:cNvPr>
+          <p:cNvPicPr>
+            <a:picLocks noChangeAspect="1"/>
+          </p:cNvPicPr>
+          <p:nvPr/>
+        </p:nvPicPr>
+        <p:blipFill>
+          <a:blip r:embed="rId3">
+            <a:extLst>
+              <a:ext uri="{28A0092B-C50C-407E-A947-70E740481C1C}">
+                <a14:useLocalDpi xmlns:a14="http://schemas.microsoft.com/office/drawing/2010/main" val="0"/>
+              </a:ext>
+            </a:extLst>
+          </a:blip>
+          <a:stretch>
+            <a:fillRect/>
+          </a:stretch>
+        </p:blipFill>
+        <p:spPr>
+          <a:xfrm>
+            <a:off x="10622015" y="6420023"/>
+            <a:ext cx="1515555" cy="383547"/>
+          </a:xfrm>
+          <a:prstGeom prst="rect">
+            <a:avLst/>
+          </a:prstGeom>
+        </p:spPr>
+      </p:pic>
     </p:spTree>
     <p:extLst>
       <p:ext uri="{BB962C8B-B14F-4D97-AF65-F5344CB8AC3E}">
@@ -15955,7 +16414,7 @@
           <a:p>
             <a:fld id="{B42B4FB0-0621-45E6-B97F-F77D45599D8C}" type="datetime1">
               <a:rPr lang="en-US" smtClean="0"/>
-              <a:t>9/22/2021</a:t>
+              <a:t>11/13/21</a:t>
             </a:fld>
             <a:endParaRPr lang="tr-TR"/>
           </a:p>
@@ -15977,10 +16436,9 @@
           <a:lstStyle/>
           <a:p>
             <a:r>
-              <a:rPr lang="tr-TR" smtClean="0"/>
+              <a:rPr lang="tr-TR"/>
               <a:t>EMREHAN</a:t>
             </a:r>
-            <a:endParaRPr lang="tr-TR"/>
           </a:p>
         </p:txBody>
       </p:sp>
@@ -16007,6 +16465,42 @@
           </a:p>
         </p:txBody>
       </p:sp>
+      <p:pic>
+        <p:nvPicPr>
+          <p:cNvPr id="8" name="Picture 7" descr="Logo&#10;&#10;Description automatically generated">
+            <a:extLst>
+              <a:ext uri="{FF2B5EF4-FFF2-40B4-BE49-F238E27FC236}">
+                <a16:creationId xmlns:a16="http://schemas.microsoft.com/office/drawing/2014/main" id="{87C6A42D-EC80-3944-8447-26F8AC1A7BB0}"/>
+              </a:ext>
+            </a:extLst>
+          </p:cNvPr>
+          <p:cNvPicPr>
+            <a:picLocks noChangeAspect="1"/>
+          </p:cNvPicPr>
+          <p:nvPr/>
+        </p:nvPicPr>
+        <p:blipFill>
+          <a:blip r:embed="rId3">
+            <a:extLst>
+              <a:ext uri="{28A0092B-C50C-407E-A947-70E740481C1C}">
+                <a14:useLocalDpi xmlns:a14="http://schemas.microsoft.com/office/drawing/2010/main" val="0"/>
+              </a:ext>
+            </a:extLst>
+          </a:blip>
+          <a:stretch>
+            <a:fillRect/>
+          </a:stretch>
+        </p:blipFill>
+        <p:spPr>
+          <a:xfrm>
+            <a:off x="10622015" y="6420023"/>
+            <a:ext cx="1515555" cy="383547"/>
+          </a:xfrm>
+          <a:prstGeom prst="rect">
+            <a:avLst/>
+          </a:prstGeom>
+        </p:spPr>
+      </p:pic>
     </p:spTree>
     <p:extLst>
       <p:ext uri="{BB962C8B-B14F-4D97-AF65-F5344CB8AC3E}">
